--- a/OOP og designpatterns/OOP PP.pptx
+++ b/OOP og designpatterns/OOP PP.pptx
@@ -16,9 +16,10 @@
     <p:sldId id="264" r:id="rId10"/>
     <p:sldId id="269" r:id="rId11"/>
     <p:sldId id="265" r:id="rId12"/>
-    <p:sldId id="268" r:id="rId13"/>
-    <p:sldId id="266" r:id="rId14"/>
-    <p:sldId id="267" r:id="rId15"/>
+    <p:sldId id="270" r:id="rId13"/>
+    <p:sldId id="268" r:id="rId14"/>
+    <p:sldId id="266" r:id="rId15"/>
+    <p:sldId id="267" r:id="rId16"/>
   </p:sldIdLst>
   <p:sldSz cx="12192000" cy="6858000"/>
   <p:notesSz cx="6858000" cy="9144000"/>
@@ -313,7 +314,7 @@
           <a:p>
             <a:fld id="{BC1EBDCE-8DB1-470C-BF99-72D4DEC64699}" type="datetimeFigureOut">
               <a:rPr lang="en-US" smtClean="0"/>
-              <a:t>12/31/2018</a:t>
+              <a:t>1/1/2019</a:t>
             </a:fld>
             <a:endParaRPr lang="en-US"/>
           </a:p>
@@ -651,7 +652,7 @@
           <a:p>
             <a:fld id="{BC1EBDCE-8DB1-470C-BF99-72D4DEC64699}" type="datetimeFigureOut">
               <a:rPr lang="en-US" smtClean="0"/>
-              <a:t>12/31/2018</a:t>
+              <a:t>1/1/2019</a:t>
             </a:fld>
             <a:endParaRPr lang="en-US"/>
           </a:p>
@@ -1052,7 +1053,7 @@
           <a:p>
             <a:fld id="{BC1EBDCE-8DB1-470C-BF99-72D4DEC64699}" type="datetimeFigureOut">
               <a:rPr lang="en-US" smtClean="0"/>
-              <a:t>12/31/2018</a:t>
+              <a:t>1/1/2019</a:t>
             </a:fld>
             <a:endParaRPr lang="en-US"/>
           </a:p>
@@ -1388,7 +1389,7 @@
           <a:p>
             <a:fld id="{BC1EBDCE-8DB1-470C-BF99-72D4DEC64699}" type="datetimeFigureOut">
               <a:rPr lang="en-US" smtClean="0"/>
-              <a:t>12/31/2018</a:t>
+              <a:t>1/1/2019</a:t>
             </a:fld>
             <a:endParaRPr lang="en-US"/>
           </a:p>
@@ -1708,7 +1709,7 @@
           <a:p>
             <a:fld id="{BC1EBDCE-8DB1-470C-BF99-72D4DEC64699}" type="datetimeFigureOut">
               <a:rPr lang="en-US" smtClean="0"/>
-              <a:t>12/31/2018</a:t>
+              <a:t>1/1/2019</a:t>
             </a:fld>
             <a:endParaRPr lang="en-US"/>
           </a:p>
@@ -2104,7 +2105,7 @@
           <a:p>
             <a:fld id="{BC1EBDCE-8DB1-470C-BF99-72D4DEC64699}" type="datetimeFigureOut">
               <a:rPr lang="en-US" smtClean="0"/>
-              <a:t>12/31/2018</a:t>
+              <a:t>1/1/2019</a:t>
             </a:fld>
             <a:endParaRPr lang="en-US"/>
           </a:p>
@@ -2361,7 +2362,7 @@
           <a:p>
             <a:fld id="{BC1EBDCE-8DB1-470C-BF99-72D4DEC64699}" type="datetimeFigureOut">
               <a:rPr lang="en-US" smtClean="0"/>
-              <a:t>12/31/2018</a:t>
+              <a:t>1/1/2019</a:t>
             </a:fld>
             <a:endParaRPr lang="en-US"/>
           </a:p>
@@ -2623,7 +2624,7 @@
           <a:p>
             <a:fld id="{BC1EBDCE-8DB1-470C-BF99-72D4DEC64699}" type="datetimeFigureOut">
               <a:rPr lang="en-US" smtClean="0"/>
-              <a:t>12/31/2018</a:t>
+              <a:t>1/1/2019</a:t>
             </a:fld>
             <a:endParaRPr lang="en-US"/>
           </a:p>
@@ -2885,7 +2886,7 @@
           <a:p>
             <a:fld id="{BC1EBDCE-8DB1-470C-BF99-72D4DEC64699}" type="datetimeFigureOut">
               <a:rPr lang="en-US" smtClean="0"/>
-              <a:t>12/31/2018</a:t>
+              <a:t>1/1/2019</a:t>
             </a:fld>
             <a:endParaRPr lang="en-US"/>
           </a:p>
@@ -3214,7 +3215,7 @@
           <a:p>
             <a:fld id="{BC1EBDCE-8DB1-470C-BF99-72D4DEC64699}" type="datetimeFigureOut">
               <a:rPr lang="en-US" smtClean="0"/>
-              <a:t>12/31/2018</a:t>
+              <a:t>1/1/2019</a:t>
             </a:fld>
             <a:endParaRPr lang="en-US"/>
           </a:p>
@@ -3537,7 +3538,7 @@
           <a:p>
             <a:fld id="{BC1EBDCE-8DB1-470C-BF99-72D4DEC64699}" type="datetimeFigureOut">
               <a:rPr lang="en-US" smtClean="0"/>
-              <a:t>12/31/2018</a:t>
+              <a:t>1/1/2019</a:t>
             </a:fld>
             <a:endParaRPr lang="en-US"/>
           </a:p>
@@ -3994,7 +3995,7 @@
           <a:p>
             <a:fld id="{BC1EBDCE-8DB1-470C-BF99-72D4DEC64699}" type="datetimeFigureOut">
               <a:rPr lang="en-US" smtClean="0"/>
-              <a:t>12/31/2018</a:t>
+              <a:t>1/1/2019</a:t>
             </a:fld>
             <a:endParaRPr lang="en-US"/>
           </a:p>
@@ -4199,7 +4200,7 @@
           <a:p>
             <a:fld id="{BC1EBDCE-8DB1-470C-BF99-72D4DEC64699}" type="datetimeFigureOut">
               <a:rPr lang="en-US" smtClean="0"/>
-              <a:t>12/31/2018</a:t>
+              <a:t>1/1/2019</a:t>
             </a:fld>
             <a:endParaRPr lang="en-US"/>
           </a:p>
@@ -4376,7 +4377,7 @@
           <a:p>
             <a:fld id="{BC1EBDCE-8DB1-470C-BF99-72D4DEC64699}" type="datetimeFigureOut">
               <a:rPr lang="en-US" smtClean="0"/>
-              <a:t>12/31/2018</a:t>
+              <a:t>1/1/2019</a:t>
             </a:fld>
             <a:endParaRPr lang="en-US"/>
           </a:p>
@@ -4709,7 +4710,7 @@
           <a:p>
             <a:fld id="{BC1EBDCE-8DB1-470C-BF99-72D4DEC64699}" type="datetimeFigureOut">
               <a:rPr lang="en-US" smtClean="0"/>
-              <a:t>12/31/2018</a:t>
+              <a:t>1/1/2019</a:t>
             </a:fld>
             <a:endParaRPr lang="en-US"/>
           </a:p>
@@ -5054,7 +5055,7 @@
           <a:p>
             <a:fld id="{BC1EBDCE-8DB1-470C-BF99-72D4DEC64699}" type="datetimeFigureOut">
               <a:rPr lang="en-US" smtClean="0"/>
-              <a:t>12/31/2018</a:t>
+              <a:t>1/1/2019</a:t>
             </a:fld>
             <a:endParaRPr lang="en-US"/>
           </a:p>
@@ -7171,7 +7172,7 @@
           <a:p>
             <a:fld id="{BC1EBDCE-8DB1-470C-BF99-72D4DEC64699}" type="datetimeFigureOut">
               <a:rPr lang="en-US" smtClean="0"/>
-              <a:t>12/31/2018</a:t>
+              <a:t>1/1/2019</a:t>
             </a:fld>
             <a:endParaRPr lang="en-US"/>
           </a:p>
@@ -7983,22 +7984,95 @@
           <a:lstStyle/>
           <a:p>
             <a:r>
+              <a:rPr lang="da-DK" dirty="0"/>
+              <a:t>Observer</a:t>
+            </a:r>
+          </a:p>
+          <a:p>
+            <a:pPr lvl="1"/>
+            <a:r>
+              <a:rPr lang="da-DK" dirty="0" err="1"/>
+              <a:t>Suscribe</a:t>
+            </a:r>
+            <a:r>
+              <a:rPr lang="da-DK" dirty="0"/>
+              <a:t> metoder  til events </a:t>
+            </a:r>
+          </a:p>
+          <a:p>
+            <a:pPr lvl="2"/>
+            <a:r>
+              <a:rPr lang="da-DK" dirty="0"/>
+              <a:t>I stedet for at tjekke om noget er sket</a:t>
+            </a:r>
+          </a:p>
+          <a:p>
+            <a:pPr lvl="2"/>
+            <a:r>
+              <a:rPr lang="da-DK" dirty="0"/>
+              <a:t>Notificer ”</a:t>
+            </a:r>
+            <a:r>
+              <a:rPr lang="da-DK" dirty="0" err="1"/>
+              <a:t>subscribers</a:t>
+            </a:r>
+            <a:r>
+              <a:rPr lang="da-DK" dirty="0"/>
+              <a:t>” når det sker </a:t>
+            </a:r>
+          </a:p>
+          <a:p>
+            <a:pPr lvl="1"/>
+            <a:endParaRPr lang="da-DK" dirty="0"/>
+          </a:p>
+          <a:p>
+            <a:r>
               <a:rPr lang="da-DK" dirty="0" err="1"/>
               <a:t>Strategy</a:t>
             </a:r>
             <a:endParaRPr lang="da-DK" dirty="0"/>
           </a:p>
           <a:p>
+            <a:pPr lvl="1"/>
+            <a:r>
+              <a:rPr lang="da-DK" dirty="0"/>
+              <a:t>Knytter handlinger til et Interface (</a:t>
+            </a:r>
+            <a:r>
+              <a:rPr lang="da-DK" dirty="0" err="1"/>
+              <a:t>IAction</a:t>
+            </a:r>
+            <a:r>
+              <a:rPr lang="da-DK" dirty="0"/>
+              <a:t>) =&gt; (Jump : </a:t>
+            </a:r>
+            <a:r>
+              <a:rPr lang="da-DK" dirty="0" err="1"/>
+              <a:t>IAction</a:t>
+            </a:r>
+            <a:r>
+              <a:rPr lang="da-DK" dirty="0"/>
+              <a:t>)</a:t>
+            </a:r>
+          </a:p>
+          <a:p>
             <a:r>
               <a:rPr lang="da-DK" dirty="0"/>
               <a:t>State</a:t>
             </a:r>
           </a:p>
           <a:p>
+            <a:pPr lvl="1"/>
+            <a:r>
+              <a:rPr lang="da-DK" dirty="0" err="1"/>
+              <a:t>StateMachine</a:t>
+            </a:r>
             <a:r>
               <a:rPr lang="da-DK" dirty="0"/>
-              <a:t>Observer</a:t>
-            </a:r>
+              <a:t> håndtere at skifte adfærd og funktionalitet baseret på input</a:t>
+            </a:r>
+          </a:p>
+          <a:p>
             <a:endParaRPr lang="en-US" dirty="0"/>
           </a:p>
         </p:txBody>
@@ -8017,6 +8091,2578 @@
 </file>
 
 <file path=ppt/slides/slide12.xml><?xml version="1.0" encoding="utf-8"?>
+<p:sld xmlns:a="http://schemas.openxmlformats.org/drawingml/2006/main" xmlns:r="http://schemas.openxmlformats.org/officeDocument/2006/relationships" xmlns:p="http://schemas.openxmlformats.org/presentationml/2006/main">
+  <p:cSld>
+    <p:bg>
+      <p:bgPr>
+        <a:gradFill rotWithShape="1">
+          <a:gsLst>
+            <a:gs pos="0">
+              <a:schemeClr val="bg2">
+                <a:tint val="90000"/>
+                <a:satMod val="92000"/>
+                <a:lumMod val="120000"/>
+              </a:schemeClr>
+            </a:gs>
+            <a:gs pos="100000">
+              <a:schemeClr val="bg2">
+                <a:shade val="98000"/>
+                <a:satMod val="120000"/>
+                <a:lumMod val="98000"/>
+              </a:schemeClr>
+            </a:gs>
+          </a:gsLst>
+          <a:path path="circle">
+            <a:fillToRect l="50000" t="50000" r="100000" b="100000"/>
+          </a:path>
+        </a:gradFill>
+        <a:effectLst/>
+      </p:bgPr>
+    </p:bg>
+    <p:spTree>
+      <p:nvGrpSpPr>
+        <p:cNvPr id="1" name=""/>
+        <p:cNvGrpSpPr/>
+        <p:nvPr/>
+      </p:nvGrpSpPr>
+      <p:grpSpPr>
+        <a:xfrm>
+          <a:off x="0" y="0"/>
+          <a:ext cx="0" cy="0"/>
+          <a:chOff x="0" y="0"/>
+          <a:chExt cx="0" cy="0"/>
+        </a:xfrm>
+      </p:grpSpPr>
+      <p:grpSp>
+        <p:nvGrpSpPr>
+          <p:cNvPr id="46" name="Group 10">
+            <a:extLst>
+              <a:ext uri="{FF2B5EF4-FFF2-40B4-BE49-F238E27FC236}">
+                <a16:creationId xmlns:a16="http://schemas.microsoft.com/office/drawing/2014/main" id="{F01E7660-30BE-4AD1-939C-8ABBC66EC797}"/>
+              </a:ext>
+              <a:ext uri="{C183D7F6-B498-43B3-948B-1728B52AA6E4}">
+                <adec:decorative xmlns:adec="http://schemas.microsoft.com/office/drawing/2017/decorative" val="1"/>
+              </a:ext>
+            </a:extLst>
+          </p:cNvPr>
+          <p:cNvGrpSpPr>
+            <a:grpSpLocks noGrp="1" noUngrp="1" noRot="1" noChangeAspect="1" noMove="1" noResize="1"/>
+          </p:cNvGrpSpPr>
+          <p:nvPr>
+            <p:extLst>
+              <p:ext uri="{386F3935-93C4-4BCD-93E2-E3B085C9AB24}">
+                <p16:designElem xmlns:p16="http://schemas.microsoft.com/office/powerpoint/2015/main" val="1"/>
+              </p:ext>
+            </p:extLst>
+          </p:nvPr>
+        </p:nvGrpSpPr>
+        <p:grpSpPr>
+          <a:xfrm>
+            <a:off x="9" y="228600"/>
+            <a:ext cx="2851523" cy="6638625"/>
+            <a:chOff x="2487613" y="285750"/>
+            <a:chExt cx="2428875" cy="5654676"/>
+          </a:xfrm>
+        </p:grpSpPr>
+        <p:sp>
+          <p:nvSpPr>
+            <p:cNvPr id="12" name="Freeform 11">
+              <a:extLst>
+                <a:ext uri="{FF2B5EF4-FFF2-40B4-BE49-F238E27FC236}">
+                  <a16:creationId xmlns:a16="http://schemas.microsoft.com/office/drawing/2014/main" id="{AF2339E5-4CFB-46BA-A1E6-1F2F592978F5}"/>
+                </a:ext>
+                <a:ext uri="{C183D7F6-B498-43B3-948B-1728B52AA6E4}">
+                  <adec:decorative xmlns:adec="http://schemas.microsoft.com/office/drawing/2017/decorative" val="1"/>
+                </a:ext>
+              </a:extLst>
+            </p:cNvPr>
+            <p:cNvSpPr/>
+            <p:nvPr>
+              <p:extLst>
+                <p:ext uri="{386F3935-93C4-4BCD-93E2-E3B085C9AB24}">
+                  <p16:designElem xmlns:p16="http://schemas.microsoft.com/office/powerpoint/2015/main" val="1"/>
+                </p:ext>
+              </p:extLst>
+            </p:nvPr>
+          </p:nvSpPr>
+          <p:spPr bwMode="auto">
+            <a:xfrm>
+              <a:off x="2487613" y="2284413"/>
+              <a:ext cx="85725" cy="533400"/>
+            </a:xfrm>
+            <a:custGeom>
+              <a:avLst/>
+              <a:gdLst/>
+              <a:ahLst/>
+              <a:cxnLst/>
+              <a:rect l="0" t="0" r="r" b="b"/>
+              <a:pathLst>
+                <a:path w="22" h="136">
+                  <a:moveTo>
+                    <a:pt x="22" y="136"/>
+                  </a:moveTo>
+                  <a:cubicBezTo>
+                    <a:pt x="20" y="117"/>
+                    <a:pt x="19" y="99"/>
+                    <a:pt x="17" y="80"/>
+                  </a:cubicBezTo>
+                  <a:cubicBezTo>
+                    <a:pt x="11" y="54"/>
+                    <a:pt x="6" y="27"/>
+                    <a:pt x="0" y="0"/>
+                  </a:cubicBezTo>
+                  <a:cubicBezTo>
+                    <a:pt x="0" y="35"/>
+                    <a:pt x="0" y="35"/>
+                    <a:pt x="0" y="35"/>
+                  </a:cubicBezTo>
+                  <a:cubicBezTo>
+                    <a:pt x="6" y="64"/>
+                    <a:pt x="13" y="94"/>
+                    <a:pt x="20" y="124"/>
+                  </a:cubicBezTo>
+                  <a:cubicBezTo>
+                    <a:pt x="20" y="128"/>
+                    <a:pt x="21" y="132"/>
+                    <a:pt x="22" y="136"/>
+                  </a:cubicBezTo>
+                  <a:close/>
+                </a:path>
+              </a:pathLst>
+            </a:custGeom>
+            <a:solidFill>
+              <a:schemeClr val="tx2">
+                <a:alpha val="20000"/>
+              </a:schemeClr>
+            </a:solidFill>
+            <a:ln>
+              <a:noFill/>
+            </a:ln>
+          </p:spPr>
+        </p:sp>
+        <p:sp>
+          <p:nvSpPr>
+            <p:cNvPr id="13" name="Freeform 12">
+              <a:extLst>
+                <a:ext uri="{FF2B5EF4-FFF2-40B4-BE49-F238E27FC236}">
+                  <a16:creationId xmlns:a16="http://schemas.microsoft.com/office/drawing/2014/main" id="{A714EACA-E00A-47F4-9617-48EF86FCA8BA}"/>
+                </a:ext>
+                <a:ext uri="{C183D7F6-B498-43B3-948B-1728B52AA6E4}">
+                  <adec:decorative xmlns:adec="http://schemas.microsoft.com/office/drawing/2017/decorative" val="1"/>
+                </a:ext>
+              </a:extLst>
+            </p:cNvPr>
+            <p:cNvSpPr/>
+            <p:nvPr>
+              <p:extLst>
+                <p:ext uri="{386F3935-93C4-4BCD-93E2-E3B085C9AB24}">
+                  <p16:designElem xmlns:p16="http://schemas.microsoft.com/office/powerpoint/2015/main" val="1"/>
+                </p:ext>
+              </p:extLst>
+            </p:nvPr>
+          </p:nvSpPr>
+          <p:spPr bwMode="auto">
+            <a:xfrm>
+              <a:off x="2597151" y="2779713"/>
+              <a:ext cx="550863" cy="1978025"/>
+            </a:xfrm>
+            <a:custGeom>
+              <a:avLst/>
+              <a:gdLst/>
+              <a:ahLst/>
+              <a:cxnLst/>
+              <a:rect l="0" t="0" r="r" b="b"/>
+              <a:pathLst>
+                <a:path w="140" h="504">
+                  <a:moveTo>
+                    <a:pt x="86" y="350"/>
+                  </a:moveTo>
+                  <a:cubicBezTo>
+                    <a:pt x="103" y="402"/>
+                    <a:pt x="120" y="453"/>
+                    <a:pt x="139" y="504"/>
+                  </a:cubicBezTo>
+                  <a:cubicBezTo>
+                    <a:pt x="139" y="495"/>
+                    <a:pt x="139" y="487"/>
+                    <a:pt x="140" y="478"/>
+                  </a:cubicBezTo>
+                  <a:cubicBezTo>
+                    <a:pt x="124" y="435"/>
+                    <a:pt x="109" y="391"/>
+                    <a:pt x="95" y="347"/>
+                  </a:cubicBezTo>
+                  <a:cubicBezTo>
+                    <a:pt x="58" y="233"/>
+                    <a:pt x="27" y="117"/>
+                    <a:pt x="0" y="0"/>
+                  </a:cubicBezTo>
+                  <a:cubicBezTo>
+                    <a:pt x="2" y="20"/>
+                    <a:pt x="4" y="41"/>
+                    <a:pt x="6" y="61"/>
+                  </a:cubicBezTo>
+                  <a:cubicBezTo>
+                    <a:pt x="30" y="158"/>
+                    <a:pt x="56" y="255"/>
+                    <a:pt x="86" y="350"/>
+                  </a:cubicBezTo>
+                  <a:close/>
+                </a:path>
+              </a:pathLst>
+            </a:custGeom>
+            <a:solidFill>
+              <a:schemeClr val="tx2">
+                <a:alpha val="20000"/>
+              </a:schemeClr>
+            </a:solidFill>
+            <a:ln>
+              <a:noFill/>
+            </a:ln>
+          </p:spPr>
+        </p:sp>
+        <p:sp>
+          <p:nvSpPr>
+            <p:cNvPr id="14" name="Freeform 13">
+              <a:extLst>
+                <a:ext uri="{FF2B5EF4-FFF2-40B4-BE49-F238E27FC236}">
+                  <a16:creationId xmlns:a16="http://schemas.microsoft.com/office/drawing/2014/main" id="{3D643816-3096-4530-BAC2-B7799760D5B5}"/>
+                </a:ext>
+                <a:ext uri="{C183D7F6-B498-43B3-948B-1728B52AA6E4}">
+                  <adec:decorative xmlns:adec="http://schemas.microsoft.com/office/drawing/2017/decorative" val="1"/>
+                </a:ext>
+              </a:extLst>
+            </p:cNvPr>
+            <p:cNvSpPr/>
+            <p:nvPr>
+              <p:extLst>
+                <p:ext uri="{386F3935-93C4-4BCD-93E2-E3B085C9AB24}">
+                  <p16:designElem xmlns:p16="http://schemas.microsoft.com/office/powerpoint/2015/main" val="1"/>
+                </p:ext>
+              </p:extLst>
+            </p:nvPr>
+          </p:nvSpPr>
+          <p:spPr bwMode="auto">
+            <a:xfrm>
+              <a:off x="3175001" y="4730750"/>
+              <a:ext cx="519113" cy="1209675"/>
+            </a:xfrm>
+            <a:custGeom>
+              <a:avLst/>
+              <a:gdLst/>
+              <a:ahLst/>
+              <a:cxnLst/>
+              <a:rect l="0" t="0" r="r" b="b"/>
+              <a:pathLst>
+                <a:path w="132" h="308">
+                  <a:moveTo>
+                    <a:pt x="8" y="22"/>
+                  </a:moveTo>
+                  <a:cubicBezTo>
+                    <a:pt x="5" y="15"/>
+                    <a:pt x="2" y="8"/>
+                    <a:pt x="0" y="0"/>
+                  </a:cubicBezTo>
+                  <a:cubicBezTo>
+                    <a:pt x="0" y="10"/>
+                    <a:pt x="0" y="19"/>
+                    <a:pt x="0" y="29"/>
+                  </a:cubicBezTo>
+                  <a:cubicBezTo>
+                    <a:pt x="21" y="85"/>
+                    <a:pt x="44" y="140"/>
+                    <a:pt x="68" y="194"/>
+                  </a:cubicBezTo>
+                  <a:cubicBezTo>
+                    <a:pt x="85" y="232"/>
+                    <a:pt x="104" y="270"/>
+                    <a:pt x="123" y="308"/>
+                  </a:cubicBezTo>
+                  <a:cubicBezTo>
+                    <a:pt x="132" y="308"/>
+                    <a:pt x="132" y="308"/>
+                    <a:pt x="132" y="308"/>
+                  </a:cubicBezTo>
+                  <a:cubicBezTo>
+                    <a:pt x="113" y="269"/>
+                    <a:pt x="94" y="230"/>
+                    <a:pt x="77" y="190"/>
+                  </a:cubicBezTo>
+                  <a:cubicBezTo>
+                    <a:pt x="52" y="135"/>
+                    <a:pt x="29" y="79"/>
+                    <a:pt x="8" y="22"/>
+                  </a:cubicBezTo>
+                  <a:close/>
+                </a:path>
+              </a:pathLst>
+            </a:custGeom>
+            <a:solidFill>
+              <a:schemeClr val="tx2">
+                <a:alpha val="20000"/>
+              </a:schemeClr>
+            </a:solidFill>
+            <a:ln>
+              <a:noFill/>
+            </a:ln>
+          </p:spPr>
+        </p:sp>
+        <p:sp>
+          <p:nvSpPr>
+            <p:cNvPr id="15" name="Freeform 14">
+              <a:extLst>
+                <a:ext uri="{FF2B5EF4-FFF2-40B4-BE49-F238E27FC236}">
+                  <a16:creationId xmlns:a16="http://schemas.microsoft.com/office/drawing/2014/main" id="{4481B6B9-DFCC-4B58-B517-C90F77008C83}"/>
+                </a:ext>
+                <a:ext uri="{C183D7F6-B498-43B3-948B-1728B52AA6E4}">
+                  <adec:decorative xmlns:adec="http://schemas.microsoft.com/office/drawing/2017/decorative" val="1"/>
+                </a:ext>
+              </a:extLst>
+            </p:cNvPr>
+            <p:cNvSpPr/>
+            <p:nvPr>
+              <p:extLst>
+                <p:ext uri="{386F3935-93C4-4BCD-93E2-E3B085C9AB24}">
+                  <p16:designElem xmlns:p16="http://schemas.microsoft.com/office/powerpoint/2015/main" val="1"/>
+                </p:ext>
+              </p:extLst>
+            </p:nvPr>
+          </p:nvSpPr>
+          <p:spPr bwMode="auto">
+            <a:xfrm>
+              <a:off x="3305176" y="5630863"/>
+              <a:ext cx="146050" cy="309563"/>
+            </a:xfrm>
+            <a:custGeom>
+              <a:avLst/>
+              <a:gdLst/>
+              <a:ahLst/>
+              <a:cxnLst/>
+              <a:rect l="0" t="0" r="r" b="b"/>
+              <a:pathLst>
+                <a:path w="37" h="79">
+                  <a:moveTo>
+                    <a:pt x="28" y="79"/>
+                  </a:moveTo>
+                  <a:cubicBezTo>
+                    <a:pt x="37" y="79"/>
+                    <a:pt x="37" y="79"/>
+                    <a:pt x="37" y="79"/>
+                  </a:cubicBezTo>
+                  <a:cubicBezTo>
+                    <a:pt x="24" y="53"/>
+                    <a:pt x="12" y="27"/>
+                    <a:pt x="0" y="0"/>
+                  </a:cubicBezTo>
+                  <a:cubicBezTo>
+                    <a:pt x="8" y="27"/>
+                    <a:pt x="17" y="53"/>
+                    <a:pt x="28" y="79"/>
+                  </a:cubicBezTo>
+                  <a:close/>
+                </a:path>
+              </a:pathLst>
+            </a:custGeom>
+            <a:solidFill>
+              <a:schemeClr val="tx2">
+                <a:alpha val="20000"/>
+              </a:schemeClr>
+            </a:solidFill>
+            <a:ln>
+              <a:noFill/>
+            </a:ln>
+          </p:spPr>
+        </p:sp>
+        <p:sp>
+          <p:nvSpPr>
+            <p:cNvPr id="16" name="Freeform 15">
+              <a:extLst>
+                <a:ext uri="{FF2B5EF4-FFF2-40B4-BE49-F238E27FC236}">
+                  <a16:creationId xmlns:a16="http://schemas.microsoft.com/office/drawing/2014/main" id="{C3AD10B5-BAA3-43BF-AB59-8B0E610B5E9B}"/>
+                </a:ext>
+                <a:ext uri="{C183D7F6-B498-43B3-948B-1728B52AA6E4}">
+                  <adec:decorative xmlns:adec="http://schemas.microsoft.com/office/drawing/2017/decorative" val="1"/>
+                </a:ext>
+              </a:extLst>
+            </p:cNvPr>
+            <p:cNvSpPr/>
+            <p:nvPr>
+              <p:extLst>
+                <p:ext uri="{386F3935-93C4-4BCD-93E2-E3B085C9AB24}">
+                  <p16:designElem xmlns:p16="http://schemas.microsoft.com/office/powerpoint/2015/main" val="1"/>
+                </p:ext>
+              </p:extLst>
+            </p:nvPr>
+          </p:nvSpPr>
+          <p:spPr bwMode="auto">
+            <a:xfrm>
+              <a:off x="2573338" y="2817813"/>
+              <a:ext cx="700088" cy="2835275"/>
+            </a:xfrm>
+            <a:custGeom>
+              <a:avLst/>
+              <a:gdLst/>
+              <a:ahLst/>
+              <a:cxnLst/>
+              <a:rect l="0" t="0" r="r" b="b"/>
+              <a:pathLst>
+                <a:path w="178" h="722">
+                  <a:moveTo>
+                    <a:pt x="162" y="660"/>
+                  </a:moveTo>
+                  <a:cubicBezTo>
+                    <a:pt x="145" y="618"/>
+                    <a:pt x="130" y="576"/>
+                    <a:pt x="116" y="534"/>
+                  </a:cubicBezTo>
+                  <a:cubicBezTo>
+                    <a:pt x="84" y="437"/>
+                    <a:pt x="59" y="337"/>
+                    <a:pt x="40" y="236"/>
+                  </a:cubicBezTo>
+                  <a:cubicBezTo>
+                    <a:pt x="29" y="175"/>
+                    <a:pt x="20" y="113"/>
+                    <a:pt x="12" y="51"/>
+                  </a:cubicBezTo>
+                  <a:cubicBezTo>
+                    <a:pt x="8" y="34"/>
+                    <a:pt x="4" y="17"/>
+                    <a:pt x="0" y="0"/>
+                  </a:cubicBezTo>
+                  <a:cubicBezTo>
+                    <a:pt x="8" y="79"/>
+                    <a:pt x="19" y="159"/>
+                    <a:pt x="33" y="237"/>
+                  </a:cubicBezTo>
+                  <a:cubicBezTo>
+                    <a:pt x="51" y="339"/>
+                    <a:pt x="76" y="439"/>
+                    <a:pt x="107" y="537"/>
+                  </a:cubicBezTo>
+                  <a:cubicBezTo>
+                    <a:pt x="123" y="586"/>
+                    <a:pt x="141" y="634"/>
+                    <a:pt x="160" y="681"/>
+                  </a:cubicBezTo>
+                  <a:cubicBezTo>
+                    <a:pt x="166" y="695"/>
+                    <a:pt x="172" y="708"/>
+                    <a:pt x="178" y="722"/>
+                  </a:cubicBezTo>
+                  <a:cubicBezTo>
+                    <a:pt x="176" y="717"/>
+                    <a:pt x="175" y="713"/>
+                    <a:pt x="174" y="708"/>
+                  </a:cubicBezTo>
+                  <a:cubicBezTo>
+                    <a:pt x="169" y="692"/>
+                    <a:pt x="165" y="676"/>
+                    <a:pt x="162" y="660"/>
+                  </a:cubicBezTo>
+                  <a:close/>
+                </a:path>
+              </a:pathLst>
+            </a:custGeom>
+            <a:solidFill>
+              <a:schemeClr val="tx2">
+                <a:alpha val="20000"/>
+              </a:schemeClr>
+            </a:solidFill>
+            <a:ln>
+              <a:noFill/>
+            </a:ln>
+          </p:spPr>
+        </p:sp>
+        <p:sp>
+          <p:nvSpPr>
+            <p:cNvPr id="17" name="Freeform 16">
+              <a:extLst>
+                <a:ext uri="{FF2B5EF4-FFF2-40B4-BE49-F238E27FC236}">
+                  <a16:creationId xmlns:a16="http://schemas.microsoft.com/office/drawing/2014/main" id="{A8CBC7E8-2093-422A-B1DF-548212F5E97D}"/>
+                </a:ext>
+                <a:ext uri="{C183D7F6-B498-43B3-948B-1728B52AA6E4}">
+                  <adec:decorative xmlns:adec="http://schemas.microsoft.com/office/drawing/2017/decorative" val="1"/>
+                </a:ext>
+              </a:extLst>
+            </p:cNvPr>
+            <p:cNvSpPr/>
+            <p:nvPr>
+              <p:extLst>
+                <p:ext uri="{386F3935-93C4-4BCD-93E2-E3B085C9AB24}">
+                  <p16:designElem xmlns:p16="http://schemas.microsoft.com/office/powerpoint/2015/main" val="1"/>
+                </p:ext>
+              </p:extLst>
+            </p:nvPr>
+          </p:nvSpPr>
+          <p:spPr bwMode="auto">
+            <a:xfrm>
+              <a:off x="2506663" y="285750"/>
+              <a:ext cx="90488" cy="2493963"/>
+            </a:xfrm>
+            <a:custGeom>
+              <a:avLst/>
+              <a:gdLst/>
+              <a:ahLst/>
+              <a:cxnLst/>
+              <a:rect l="0" t="0" r="r" b="b"/>
+              <a:pathLst>
+                <a:path w="23" h="635">
+                  <a:moveTo>
+                    <a:pt x="11" y="577"/>
+                  </a:moveTo>
+                  <a:cubicBezTo>
+                    <a:pt x="12" y="581"/>
+                    <a:pt x="12" y="585"/>
+                    <a:pt x="12" y="589"/>
+                  </a:cubicBezTo>
+                  <a:cubicBezTo>
+                    <a:pt x="15" y="603"/>
+                    <a:pt x="19" y="617"/>
+                    <a:pt x="22" y="632"/>
+                  </a:cubicBezTo>
+                  <a:cubicBezTo>
+                    <a:pt x="22" y="633"/>
+                    <a:pt x="22" y="634"/>
+                    <a:pt x="23" y="635"/>
+                  </a:cubicBezTo>
+                  <a:cubicBezTo>
+                    <a:pt x="21" y="615"/>
+                    <a:pt x="19" y="596"/>
+                    <a:pt x="17" y="576"/>
+                  </a:cubicBezTo>
+                  <a:cubicBezTo>
+                    <a:pt x="9" y="474"/>
+                    <a:pt x="5" y="372"/>
+                    <a:pt x="5" y="269"/>
+                  </a:cubicBezTo>
+                  <a:cubicBezTo>
+                    <a:pt x="6" y="179"/>
+                    <a:pt x="9" y="90"/>
+                    <a:pt x="15" y="0"/>
+                  </a:cubicBezTo>
+                  <a:cubicBezTo>
+                    <a:pt x="12" y="0"/>
+                    <a:pt x="12" y="0"/>
+                    <a:pt x="12" y="0"/>
+                  </a:cubicBezTo>
+                  <a:cubicBezTo>
+                    <a:pt x="5" y="89"/>
+                    <a:pt x="2" y="179"/>
+                    <a:pt x="1" y="269"/>
+                  </a:cubicBezTo>
+                  <a:cubicBezTo>
+                    <a:pt x="0" y="372"/>
+                    <a:pt x="3" y="474"/>
+                    <a:pt x="11" y="577"/>
+                  </a:cubicBezTo>
+                  <a:close/>
+                </a:path>
+              </a:pathLst>
+            </a:custGeom>
+            <a:solidFill>
+              <a:schemeClr val="tx2">
+                <a:alpha val="20000"/>
+              </a:schemeClr>
+            </a:solidFill>
+            <a:ln>
+              <a:noFill/>
+            </a:ln>
+          </p:spPr>
+        </p:sp>
+        <p:sp>
+          <p:nvSpPr>
+            <p:cNvPr id="18" name="Freeform 17">
+              <a:extLst>
+                <a:ext uri="{FF2B5EF4-FFF2-40B4-BE49-F238E27FC236}">
+                  <a16:creationId xmlns:a16="http://schemas.microsoft.com/office/drawing/2014/main" id="{DACD4C1E-0C60-49F4-9940-2EC2B35127BD}"/>
+                </a:ext>
+                <a:ext uri="{C183D7F6-B498-43B3-948B-1728B52AA6E4}">
+                  <adec:decorative xmlns:adec="http://schemas.microsoft.com/office/drawing/2017/decorative" val="1"/>
+                </a:ext>
+              </a:extLst>
+            </p:cNvPr>
+            <p:cNvSpPr/>
+            <p:nvPr>
+              <p:extLst>
+                <p:ext uri="{386F3935-93C4-4BCD-93E2-E3B085C9AB24}">
+                  <p16:designElem xmlns:p16="http://schemas.microsoft.com/office/powerpoint/2015/main" val="1"/>
+                </p:ext>
+              </p:extLst>
+            </p:nvPr>
+          </p:nvSpPr>
+          <p:spPr bwMode="auto">
+            <a:xfrm>
+              <a:off x="2554288" y="2598738"/>
+              <a:ext cx="66675" cy="420688"/>
+            </a:xfrm>
+            <a:custGeom>
+              <a:avLst/>
+              <a:gdLst/>
+              <a:ahLst/>
+              <a:cxnLst/>
+              <a:rect l="0" t="0" r="r" b="b"/>
+              <a:pathLst>
+                <a:path w="17" h="107">
+                  <a:moveTo>
+                    <a:pt x="0" y="0"/>
+                  </a:moveTo>
+                  <a:cubicBezTo>
+                    <a:pt x="2" y="19"/>
+                    <a:pt x="3" y="37"/>
+                    <a:pt x="5" y="56"/>
+                  </a:cubicBezTo>
+                  <a:cubicBezTo>
+                    <a:pt x="9" y="73"/>
+                    <a:pt x="13" y="90"/>
+                    <a:pt x="17" y="107"/>
+                  </a:cubicBezTo>
+                  <a:cubicBezTo>
+                    <a:pt x="15" y="87"/>
+                    <a:pt x="13" y="66"/>
+                    <a:pt x="11" y="46"/>
+                  </a:cubicBezTo>
+                  <a:cubicBezTo>
+                    <a:pt x="10" y="45"/>
+                    <a:pt x="10" y="44"/>
+                    <a:pt x="10" y="43"/>
+                  </a:cubicBezTo>
+                  <a:cubicBezTo>
+                    <a:pt x="7" y="28"/>
+                    <a:pt x="3" y="14"/>
+                    <a:pt x="0" y="0"/>
+                  </a:cubicBezTo>
+                  <a:close/>
+                </a:path>
+              </a:pathLst>
+            </a:custGeom>
+            <a:solidFill>
+              <a:schemeClr val="tx2">
+                <a:alpha val="20000"/>
+              </a:schemeClr>
+            </a:solidFill>
+            <a:ln>
+              <a:noFill/>
+            </a:ln>
+          </p:spPr>
+        </p:sp>
+        <p:sp>
+          <p:nvSpPr>
+            <p:cNvPr id="19" name="Freeform 18">
+              <a:extLst>
+                <a:ext uri="{FF2B5EF4-FFF2-40B4-BE49-F238E27FC236}">
+                  <a16:creationId xmlns:a16="http://schemas.microsoft.com/office/drawing/2014/main" id="{D4EBDC8A-E0EA-4C61-9A07-F87965F30816}"/>
+                </a:ext>
+                <a:ext uri="{C183D7F6-B498-43B3-948B-1728B52AA6E4}">
+                  <adec:decorative xmlns:adec="http://schemas.microsoft.com/office/drawing/2017/decorative" val="1"/>
+                </a:ext>
+              </a:extLst>
+            </p:cNvPr>
+            <p:cNvSpPr/>
+            <p:nvPr>
+              <p:extLst>
+                <p:ext uri="{386F3935-93C4-4BCD-93E2-E3B085C9AB24}">
+                  <p16:designElem xmlns:p16="http://schemas.microsoft.com/office/powerpoint/2015/main" val="1"/>
+                </p:ext>
+              </p:extLst>
+            </p:nvPr>
+          </p:nvSpPr>
+          <p:spPr bwMode="auto">
+            <a:xfrm>
+              <a:off x="3143251" y="4757738"/>
+              <a:ext cx="161925" cy="873125"/>
+            </a:xfrm>
+            <a:custGeom>
+              <a:avLst/>
+              <a:gdLst/>
+              <a:ahLst/>
+              <a:cxnLst/>
+              <a:rect l="0" t="0" r="r" b="b"/>
+              <a:pathLst>
+                <a:path w="41" h="222">
+                  <a:moveTo>
+                    <a:pt x="0" y="0"/>
+                  </a:moveTo>
+                  <a:cubicBezTo>
+                    <a:pt x="0" y="31"/>
+                    <a:pt x="2" y="62"/>
+                    <a:pt x="5" y="93"/>
+                  </a:cubicBezTo>
+                  <a:cubicBezTo>
+                    <a:pt x="8" y="117"/>
+                    <a:pt x="12" y="142"/>
+                    <a:pt x="17" y="166"/>
+                  </a:cubicBezTo>
+                  <a:cubicBezTo>
+                    <a:pt x="19" y="172"/>
+                    <a:pt x="22" y="178"/>
+                    <a:pt x="24" y="184"/>
+                  </a:cubicBezTo>
+                  <a:cubicBezTo>
+                    <a:pt x="30" y="197"/>
+                    <a:pt x="35" y="209"/>
+                    <a:pt x="41" y="222"/>
+                  </a:cubicBezTo>
+                  <a:cubicBezTo>
+                    <a:pt x="40" y="219"/>
+                    <a:pt x="39" y="215"/>
+                    <a:pt x="38" y="212"/>
+                  </a:cubicBezTo>
+                  <a:cubicBezTo>
+                    <a:pt x="26" y="172"/>
+                    <a:pt x="18" y="132"/>
+                    <a:pt x="13" y="92"/>
+                  </a:cubicBezTo>
+                  <a:cubicBezTo>
+                    <a:pt x="11" y="68"/>
+                    <a:pt x="9" y="45"/>
+                    <a:pt x="8" y="22"/>
+                  </a:cubicBezTo>
+                  <a:cubicBezTo>
+                    <a:pt x="8" y="21"/>
+                    <a:pt x="7" y="20"/>
+                    <a:pt x="7" y="18"/>
+                  </a:cubicBezTo>
+                  <a:cubicBezTo>
+                    <a:pt x="5" y="12"/>
+                    <a:pt x="2" y="6"/>
+                    <a:pt x="0" y="0"/>
+                  </a:cubicBezTo>
+                  <a:close/>
+                </a:path>
+              </a:pathLst>
+            </a:custGeom>
+            <a:solidFill>
+              <a:schemeClr val="tx2">
+                <a:alpha val="20000"/>
+              </a:schemeClr>
+            </a:solidFill>
+            <a:ln>
+              <a:noFill/>
+            </a:ln>
+          </p:spPr>
+        </p:sp>
+        <p:sp>
+          <p:nvSpPr>
+            <p:cNvPr id="20" name="Freeform 19">
+              <a:extLst>
+                <a:ext uri="{FF2B5EF4-FFF2-40B4-BE49-F238E27FC236}">
+                  <a16:creationId xmlns:a16="http://schemas.microsoft.com/office/drawing/2014/main" id="{56AB17E4-FFC1-40A6-8716-4DA6E7E2E021}"/>
+                </a:ext>
+                <a:ext uri="{C183D7F6-B498-43B3-948B-1728B52AA6E4}">
+                  <adec:decorative xmlns:adec="http://schemas.microsoft.com/office/drawing/2017/decorative" val="1"/>
+                </a:ext>
+              </a:extLst>
+            </p:cNvPr>
+            <p:cNvSpPr/>
+            <p:nvPr>
+              <p:extLst>
+                <p:ext uri="{386F3935-93C4-4BCD-93E2-E3B085C9AB24}">
+                  <p16:designElem xmlns:p16="http://schemas.microsoft.com/office/powerpoint/2015/main" val="1"/>
+                </p:ext>
+              </p:extLst>
+            </p:nvPr>
+          </p:nvSpPr>
+          <p:spPr bwMode="auto">
+            <a:xfrm>
+              <a:off x="3148013" y="1282700"/>
+              <a:ext cx="1768475" cy="3448050"/>
+            </a:xfrm>
+            <a:custGeom>
+              <a:avLst/>
+              <a:gdLst/>
+              <a:ahLst/>
+              <a:cxnLst/>
+              <a:rect l="0" t="0" r="r" b="b"/>
+              <a:pathLst>
+                <a:path w="450" h="878">
+                  <a:moveTo>
+                    <a:pt x="7" y="854"/>
+                  </a:moveTo>
+                  <a:cubicBezTo>
+                    <a:pt x="10" y="772"/>
+                    <a:pt x="26" y="691"/>
+                    <a:pt x="50" y="613"/>
+                  </a:cubicBezTo>
+                  <a:cubicBezTo>
+                    <a:pt x="75" y="535"/>
+                    <a:pt x="109" y="460"/>
+                    <a:pt x="149" y="388"/>
+                  </a:cubicBezTo>
+                  <a:cubicBezTo>
+                    <a:pt x="189" y="316"/>
+                    <a:pt x="235" y="248"/>
+                    <a:pt x="285" y="183"/>
+                  </a:cubicBezTo>
+                  <a:cubicBezTo>
+                    <a:pt x="310" y="151"/>
+                    <a:pt x="337" y="119"/>
+                    <a:pt x="364" y="89"/>
+                  </a:cubicBezTo>
+                  <a:cubicBezTo>
+                    <a:pt x="378" y="74"/>
+                    <a:pt x="392" y="58"/>
+                    <a:pt x="406" y="44"/>
+                  </a:cubicBezTo>
+                  <a:cubicBezTo>
+                    <a:pt x="421" y="29"/>
+                    <a:pt x="435" y="15"/>
+                    <a:pt x="450" y="1"/>
+                  </a:cubicBezTo>
+                  <a:cubicBezTo>
+                    <a:pt x="450" y="0"/>
+                    <a:pt x="450" y="0"/>
+                    <a:pt x="450" y="0"/>
+                  </a:cubicBezTo>
+                  <a:cubicBezTo>
+                    <a:pt x="434" y="14"/>
+                    <a:pt x="420" y="28"/>
+                    <a:pt x="405" y="43"/>
+                  </a:cubicBezTo>
+                  <a:cubicBezTo>
+                    <a:pt x="391" y="57"/>
+                    <a:pt x="377" y="72"/>
+                    <a:pt x="363" y="88"/>
+                  </a:cubicBezTo>
+                  <a:cubicBezTo>
+                    <a:pt x="335" y="118"/>
+                    <a:pt x="308" y="149"/>
+                    <a:pt x="283" y="181"/>
+                  </a:cubicBezTo>
+                  <a:cubicBezTo>
+                    <a:pt x="232" y="246"/>
+                    <a:pt x="185" y="314"/>
+                    <a:pt x="145" y="386"/>
+                  </a:cubicBezTo>
+                  <a:cubicBezTo>
+                    <a:pt x="104" y="457"/>
+                    <a:pt x="70" y="533"/>
+                    <a:pt x="45" y="611"/>
+                  </a:cubicBezTo>
+                  <a:cubicBezTo>
+                    <a:pt x="19" y="690"/>
+                    <a:pt x="3" y="771"/>
+                    <a:pt x="0" y="854"/>
+                  </a:cubicBezTo>
+                  <a:cubicBezTo>
+                    <a:pt x="0" y="856"/>
+                    <a:pt x="0" y="857"/>
+                    <a:pt x="0" y="859"/>
+                  </a:cubicBezTo>
+                  <a:cubicBezTo>
+                    <a:pt x="2" y="865"/>
+                    <a:pt x="4" y="872"/>
+                    <a:pt x="7" y="878"/>
+                  </a:cubicBezTo>
+                  <a:cubicBezTo>
+                    <a:pt x="7" y="870"/>
+                    <a:pt x="7" y="862"/>
+                    <a:pt x="7" y="854"/>
+                  </a:cubicBezTo>
+                  <a:close/>
+                </a:path>
+              </a:pathLst>
+            </a:custGeom>
+            <a:solidFill>
+              <a:schemeClr val="tx2">
+                <a:alpha val="20000"/>
+              </a:schemeClr>
+            </a:solidFill>
+            <a:ln>
+              <a:noFill/>
+            </a:ln>
+          </p:spPr>
+        </p:sp>
+        <p:sp>
+          <p:nvSpPr>
+            <p:cNvPr id="21" name="Freeform 20">
+              <a:extLst>
+                <a:ext uri="{FF2B5EF4-FFF2-40B4-BE49-F238E27FC236}">
+                  <a16:creationId xmlns:a16="http://schemas.microsoft.com/office/drawing/2014/main" id="{18B82752-3697-40F0-A707-455553AE3993}"/>
+                </a:ext>
+                <a:ext uri="{C183D7F6-B498-43B3-948B-1728B52AA6E4}">
+                  <adec:decorative xmlns:adec="http://schemas.microsoft.com/office/drawing/2017/decorative" val="1"/>
+                </a:ext>
+              </a:extLst>
+            </p:cNvPr>
+            <p:cNvSpPr/>
+            <p:nvPr>
+              <p:extLst>
+                <p:ext uri="{386F3935-93C4-4BCD-93E2-E3B085C9AB24}">
+                  <p16:designElem xmlns:p16="http://schemas.microsoft.com/office/powerpoint/2015/main" val="1"/>
+                </p:ext>
+              </p:extLst>
+            </p:nvPr>
+          </p:nvSpPr>
+          <p:spPr bwMode="auto">
+            <a:xfrm>
+              <a:off x="3273426" y="5653088"/>
+              <a:ext cx="138113" cy="287338"/>
+            </a:xfrm>
+            <a:custGeom>
+              <a:avLst/>
+              <a:gdLst/>
+              <a:ahLst/>
+              <a:cxnLst/>
+              <a:rect l="0" t="0" r="r" b="b"/>
+              <a:pathLst>
+                <a:path w="35" h="73">
+                  <a:moveTo>
+                    <a:pt x="0" y="0"/>
+                  </a:moveTo>
+                  <a:cubicBezTo>
+                    <a:pt x="7" y="24"/>
+                    <a:pt x="16" y="49"/>
+                    <a:pt x="26" y="73"/>
+                  </a:cubicBezTo>
+                  <a:cubicBezTo>
+                    <a:pt x="35" y="73"/>
+                    <a:pt x="35" y="73"/>
+                    <a:pt x="35" y="73"/>
+                  </a:cubicBezTo>
+                  <a:cubicBezTo>
+                    <a:pt x="23" y="49"/>
+                    <a:pt x="11" y="24"/>
+                    <a:pt x="0" y="0"/>
+                  </a:cubicBezTo>
+                  <a:close/>
+                </a:path>
+              </a:pathLst>
+            </a:custGeom>
+            <a:solidFill>
+              <a:schemeClr val="tx2">
+                <a:alpha val="20000"/>
+              </a:schemeClr>
+            </a:solidFill>
+            <a:ln>
+              <a:noFill/>
+            </a:ln>
+          </p:spPr>
+        </p:sp>
+        <p:sp>
+          <p:nvSpPr>
+            <p:cNvPr id="22" name="Freeform 21">
+              <a:extLst>
+                <a:ext uri="{FF2B5EF4-FFF2-40B4-BE49-F238E27FC236}">
+                  <a16:creationId xmlns:a16="http://schemas.microsoft.com/office/drawing/2014/main" id="{46E341FE-2212-45E9-9AC6-689D6A7A0B66}"/>
+                </a:ext>
+                <a:ext uri="{C183D7F6-B498-43B3-948B-1728B52AA6E4}">
+                  <adec:decorative xmlns:adec="http://schemas.microsoft.com/office/drawing/2017/decorative" val="1"/>
+                </a:ext>
+              </a:extLst>
+            </p:cNvPr>
+            <p:cNvSpPr/>
+            <p:nvPr>
+              <p:extLst>
+                <p:ext uri="{386F3935-93C4-4BCD-93E2-E3B085C9AB24}">
+                  <p16:designElem xmlns:p16="http://schemas.microsoft.com/office/powerpoint/2015/main" val="1"/>
+                </p:ext>
+              </p:extLst>
+            </p:nvPr>
+          </p:nvSpPr>
+          <p:spPr bwMode="auto">
+            <a:xfrm>
+              <a:off x="3143251" y="4656138"/>
+              <a:ext cx="31750" cy="188913"/>
+            </a:xfrm>
+            <a:custGeom>
+              <a:avLst/>
+              <a:gdLst/>
+              <a:ahLst/>
+              <a:cxnLst/>
+              <a:rect l="0" t="0" r="r" b="b"/>
+              <a:pathLst>
+                <a:path w="8" h="48">
+                  <a:moveTo>
+                    <a:pt x="7" y="44"/>
+                  </a:moveTo>
+                  <a:cubicBezTo>
+                    <a:pt x="7" y="46"/>
+                    <a:pt x="8" y="47"/>
+                    <a:pt x="8" y="48"/>
+                  </a:cubicBezTo>
+                  <a:cubicBezTo>
+                    <a:pt x="8" y="38"/>
+                    <a:pt x="8" y="29"/>
+                    <a:pt x="8" y="19"/>
+                  </a:cubicBezTo>
+                  <a:cubicBezTo>
+                    <a:pt x="5" y="13"/>
+                    <a:pt x="3" y="6"/>
+                    <a:pt x="1" y="0"/>
+                  </a:cubicBezTo>
+                  <a:cubicBezTo>
+                    <a:pt x="0" y="9"/>
+                    <a:pt x="0" y="17"/>
+                    <a:pt x="0" y="26"/>
+                  </a:cubicBezTo>
+                  <a:cubicBezTo>
+                    <a:pt x="2" y="32"/>
+                    <a:pt x="5" y="38"/>
+                    <a:pt x="7" y="44"/>
+                  </a:cubicBezTo>
+                  <a:close/>
+                </a:path>
+              </a:pathLst>
+            </a:custGeom>
+            <a:solidFill>
+              <a:schemeClr val="tx2">
+                <a:alpha val="20000"/>
+              </a:schemeClr>
+            </a:solidFill>
+            <a:ln>
+              <a:noFill/>
+            </a:ln>
+          </p:spPr>
+        </p:sp>
+        <p:sp>
+          <p:nvSpPr>
+            <p:cNvPr id="23" name="Freeform 22">
+              <a:extLst>
+                <a:ext uri="{FF2B5EF4-FFF2-40B4-BE49-F238E27FC236}">
+                  <a16:creationId xmlns:a16="http://schemas.microsoft.com/office/drawing/2014/main" id="{60DDF26F-4245-4642-8C13-878C6ABE4A77}"/>
+                </a:ext>
+                <a:ext uri="{C183D7F6-B498-43B3-948B-1728B52AA6E4}">
+                  <adec:decorative xmlns:adec="http://schemas.microsoft.com/office/drawing/2017/decorative" val="1"/>
+                </a:ext>
+              </a:extLst>
+            </p:cNvPr>
+            <p:cNvSpPr/>
+            <p:nvPr>
+              <p:extLst>
+                <p:ext uri="{386F3935-93C4-4BCD-93E2-E3B085C9AB24}">
+                  <p16:designElem xmlns:p16="http://schemas.microsoft.com/office/powerpoint/2015/main" val="1"/>
+                </p:ext>
+              </p:extLst>
+            </p:nvPr>
+          </p:nvSpPr>
+          <p:spPr bwMode="auto">
+            <a:xfrm>
+              <a:off x="3211513" y="5410200"/>
+              <a:ext cx="203200" cy="530225"/>
+            </a:xfrm>
+            <a:custGeom>
+              <a:avLst/>
+              <a:gdLst/>
+              <a:ahLst/>
+              <a:cxnLst/>
+              <a:rect l="0" t="0" r="r" b="b"/>
+              <a:pathLst>
+                <a:path w="52" h="135">
+                  <a:moveTo>
+                    <a:pt x="7" y="18"/>
+                  </a:moveTo>
+                  <a:cubicBezTo>
+                    <a:pt x="5" y="12"/>
+                    <a:pt x="2" y="6"/>
+                    <a:pt x="0" y="0"/>
+                  </a:cubicBezTo>
+                  <a:cubicBezTo>
+                    <a:pt x="3" y="16"/>
+                    <a:pt x="7" y="32"/>
+                    <a:pt x="12" y="48"/>
+                  </a:cubicBezTo>
+                  <a:cubicBezTo>
+                    <a:pt x="13" y="53"/>
+                    <a:pt x="14" y="57"/>
+                    <a:pt x="16" y="62"/>
+                  </a:cubicBezTo>
+                  <a:cubicBezTo>
+                    <a:pt x="27" y="86"/>
+                    <a:pt x="39" y="111"/>
+                    <a:pt x="51" y="135"/>
+                  </a:cubicBezTo>
+                  <a:cubicBezTo>
+                    <a:pt x="52" y="135"/>
+                    <a:pt x="52" y="135"/>
+                    <a:pt x="52" y="135"/>
+                  </a:cubicBezTo>
+                  <a:cubicBezTo>
+                    <a:pt x="41" y="109"/>
+                    <a:pt x="32" y="83"/>
+                    <a:pt x="24" y="56"/>
+                  </a:cubicBezTo>
+                  <a:cubicBezTo>
+                    <a:pt x="18" y="43"/>
+                    <a:pt x="13" y="31"/>
+                    <a:pt x="7" y="18"/>
+                  </a:cubicBezTo>
+                  <a:close/>
+                </a:path>
+              </a:pathLst>
+            </a:custGeom>
+            <a:solidFill>
+              <a:schemeClr val="tx2">
+                <a:alpha val="20000"/>
+              </a:schemeClr>
+            </a:solidFill>
+            <a:ln>
+              <a:noFill/>
+            </a:ln>
+          </p:spPr>
+        </p:sp>
+      </p:grpSp>
+      <p:grpSp>
+        <p:nvGrpSpPr>
+          <p:cNvPr id="47" name="Group 24">
+            <a:extLst>
+              <a:ext uri="{FF2B5EF4-FFF2-40B4-BE49-F238E27FC236}">
+                <a16:creationId xmlns:a16="http://schemas.microsoft.com/office/drawing/2014/main" id="{E2F0A64F-6E97-407F-905F-CFB60C876A03}"/>
+              </a:ext>
+              <a:ext uri="{C183D7F6-B498-43B3-948B-1728B52AA6E4}">
+                <adec:decorative xmlns:adec="http://schemas.microsoft.com/office/drawing/2017/decorative" val="1"/>
+              </a:ext>
+            </a:extLst>
+          </p:cNvPr>
+          <p:cNvGrpSpPr>
+            <a:grpSpLocks noGrp="1" noUngrp="1" noRot="1" noChangeAspect="1" noMove="1" noResize="1"/>
+          </p:cNvGrpSpPr>
+          <p:nvPr>
+            <p:extLst>
+              <p:ext uri="{386F3935-93C4-4BCD-93E2-E3B085C9AB24}">
+                <p16:designElem xmlns:p16="http://schemas.microsoft.com/office/powerpoint/2015/main" val="1"/>
+              </p:ext>
+            </p:extLst>
+          </p:nvPr>
+        </p:nvGrpSpPr>
+        <p:grpSpPr>
+          <a:xfrm>
+            <a:off x="27224" y="-786"/>
+            <a:ext cx="2356675" cy="6854040"/>
+            <a:chOff x="6627813" y="194833"/>
+            <a:chExt cx="1952625" cy="5678918"/>
+          </a:xfrm>
+        </p:grpSpPr>
+        <p:sp>
+          <p:nvSpPr>
+            <p:cNvPr id="26" name="Freeform 27">
+              <a:extLst>
+                <a:ext uri="{FF2B5EF4-FFF2-40B4-BE49-F238E27FC236}">
+                  <a16:creationId xmlns:a16="http://schemas.microsoft.com/office/drawing/2014/main" id="{6B2CD8E6-069E-402A-B6AC-FF0051404F1B}"/>
+                </a:ext>
+                <a:ext uri="{C183D7F6-B498-43B3-948B-1728B52AA6E4}">
+                  <adec:decorative xmlns:adec="http://schemas.microsoft.com/office/drawing/2017/decorative" val="1"/>
+                </a:ext>
+              </a:extLst>
+            </p:cNvPr>
+            <p:cNvSpPr/>
+            <p:nvPr>
+              <p:extLst>
+                <p:ext uri="{386F3935-93C4-4BCD-93E2-E3B085C9AB24}">
+                  <p16:designElem xmlns:p16="http://schemas.microsoft.com/office/powerpoint/2015/main" val="1"/>
+                </p:ext>
+              </p:extLst>
+            </p:nvPr>
+          </p:nvSpPr>
+          <p:spPr bwMode="auto">
+            <a:xfrm>
+              <a:off x="6627813" y="194833"/>
+              <a:ext cx="409575" cy="3646488"/>
+            </a:xfrm>
+            <a:custGeom>
+              <a:avLst/>
+              <a:gdLst/>
+              <a:ahLst/>
+              <a:cxnLst/>
+              <a:rect l="0" t="0" r="r" b="b"/>
+              <a:pathLst>
+                <a:path w="103" h="920">
+                  <a:moveTo>
+                    <a:pt x="7" y="210"/>
+                  </a:moveTo>
+                  <a:cubicBezTo>
+                    <a:pt x="11" y="288"/>
+                    <a:pt x="17" y="367"/>
+                    <a:pt x="26" y="445"/>
+                  </a:cubicBezTo>
+                  <a:cubicBezTo>
+                    <a:pt x="34" y="523"/>
+                    <a:pt x="44" y="601"/>
+                    <a:pt x="57" y="679"/>
+                  </a:cubicBezTo>
+                  <a:cubicBezTo>
+                    <a:pt x="69" y="757"/>
+                    <a:pt x="84" y="834"/>
+                    <a:pt x="101" y="911"/>
+                  </a:cubicBezTo>
+                  <a:cubicBezTo>
+                    <a:pt x="102" y="914"/>
+                    <a:pt x="103" y="917"/>
+                    <a:pt x="103" y="920"/>
+                  </a:cubicBezTo>
+                  <a:cubicBezTo>
+                    <a:pt x="102" y="905"/>
+                    <a:pt x="100" y="889"/>
+                    <a:pt x="99" y="874"/>
+                  </a:cubicBezTo>
+                  <a:cubicBezTo>
+                    <a:pt x="99" y="871"/>
+                    <a:pt x="99" y="868"/>
+                    <a:pt x="99" y="866"/>
+                  </a:cubicBezTo>
+                  <a:cubicBezTo>
+                    <a:pt x="85" y="803"/>
+                    <a:pt x="73" y="741"/>
+                    <a:pt x="63" y="678"/>
+                  </a:cubicBezTo>
+                  <a:cubicBezTo>
+                    <a:pt x="50" y="600"/>
+                    <a:pt x="39" y="523"/>
+                    <a:pt x="30" y="444"/>
+                  </a:cubicBezTo>
+                  <a:cubicBezTo>
+                    <a:pt x="21" y="366"/>
+                    <a:pt x="14" y="288"/>
+                    <a:pt x="9" y="209"/>
+                  </a:cubicBezTo>
+                  <a:cubicBezTo>
+                    <a:pt x="7" y="170"/>
+                    <a:pt x="5" y="131"/>
+                    <a:pt x="3" y="92"/>
+                  </a:cubicBezTo>
+                  <a:cubicBezTo>
+                    <a:pt x="2" y="61"/>
+                    <a:pt x="1" y="31"/>
+                    <a:pt x="1" y="0"/>
+                  </a:cubicBezTo>
+                  <a:cubicBezTo>
+                    <a:pt x="0" y="0"/>
+                    <a:pt x="0" y="0"/>
+                    <a:pt x="0" y="0"/>
+                  </a:cubicBezTo>
+                  <a:cubicBezTo>
+                    <a:pt x="0" y="31"/>
+                    <a:pt x="1" y="61"/>
+                    <a:pt x="1" y="92"/>
+                  </a:cubicBezTo>
+                  <a:cubicBezTo>
+                    <a:pt x="3" y="131"/>
+                    <a:pt x="4" y="170"/>
+                    <a:pt x="7" y="210"/>
+                  </a:cubicBezTo>
+                  <a:close/>
+                </a:path>
+              </a:pathLst>
+            </a:custGeom>
+            <a:solidFill>
+              <a:schemeClr val="tx2"/>
+            </a:solidFill>
+            <a:ln>
+              <a:noFill/>
+            </a:ln>
+          </p:spPr>
+        </p:sp>
+        <p:sp>
+          <p:nvSpPr>
+            <p:cNvPr id="27" name="Freeform 28">
+              <a:extLst>
+                <a:ext uri="{FF2B5EF4-FFF2-40B4-BE49-F238E27FC236}">
+                  <a16:creationId xmlns:a16="http://schemas.microsoft.com/office/drawing/2014/main" id="{A6CA6D01-96EA-411D-B14A-86F2AFDBDCCA}"/>
+                </a:ext>
+                <a:ext uri="{C183D7F6-B498-43B3-948B-1728B52AA6E4}">
+                  <adec:decorative xmlns:adec="http://schemas.microsoft.com/office/drawing/2017/decorative" val="1"/>
+                </a:ext>
+              </a:extLst>
+            </p:cNvPr>
+            <p:cNvSpPr/>
+            <p:nvPr>
+              <p:extLst>
+                <p:ext uri="{386F3935-93C4-4BCD-93E2-E3B085C9AB24}">
+                  <p16:designElem xmlns:p16="http://schemas.microsoft.com/office/powerpoint/2015/main" val="1"/>
+                </p:ext>
+              </p:extLst>
+            </p:nvPr>
+          </p:nvSpPr>
+          <p:spPr bwMode="auto">
+            <a:xfrm>
+              <a:off x="7061201" y="3771900"/>
+              <a:ext cx="350838" cy="1309688"/>
+            </a:xfrm>
+            <a:custGeom>
+              <a:avLst/>
+              <a:gdLst/>
+              <a:ahLst/>
+              <a:cxnLst/>
+              <a:rect l="0" t="0" r="r" b="b"/>
+              <a:pathLst>
+                <a:path w="88" h="330">
+                  <a:moveTo>
+                    <a:pt x="53" y="229"/>
+                  </a:moveTo>
+                  <a:cubicBezTo>
+                    <a:pt x="64" y="263"/>
+                    <a:pt x="75" y="297"/>
+                    <a:pt x="88" y="330"/>
+                  </a:cubicBezTo>
+                  <a:cubicBezTo>
+                    <a:pt x="88" y="323"/>
+                    <a:pt x="88" y="315"/>
+                    <a:pt x="88" y="308"/>
+                  </a:cubicBezTo>
+                  <a:cubicBezTo>
+                    <a:pt x="88" y="307"/>
+                    <a:pt x="88" y="305"/>
+                    <a:pt x="88" y="304"/>
+                  </a:cubicBezTo>
+                  <a:cubicBezTo>
+                    <a:pt x="79" y="278"/>
+                    <a:pt x="70" y="252"/>
+                    <a:pt x="62" y="226"/>
+                  </a:cubicBezTo>
+                  <a:cubicBezTo>
+                    <a:pt x="38" y="152"/>
+                    <a:pt x="17" y="76"/>
+                    <a:pt x="0" y="0"/>
+                  </a:cubicBezTo>
+                  <a:cubicBezTo>
+                    <a:pt x="2" y="21"/>
+                    <a:pt x="4" y="42"/>
+                    <a:pt x="7" y="63"/>
+                  </a:cubicBezTo>
+                  <a:cubicBezTo>
+                    <a:pt x="21" y="119"/>
+                    <a:pt x="36" y="174"/>
+                    <a:pt x="53" y="229"/>
+                  </a:cubicBezTo>
+                  <a:close/>
+                </a:path>
+              </a:pathLst>
+            </a:custGeom>
+            <a:solidFill>
+              <a:schemeClr val="tx2"/>
+            </a:solidFill>
+            <a:ln>
+              <a:noFill/>
+            </a:ln>
+          </p:spPr>
+        </p:sp>
+        <p:sp>
+          <p:nvSpPr>
+            <p:cNvPr id="28" name="Freeform 29">
+              <a:extLst>
+                <a:ext uri="{FF2B5EF4-FFF2-40B4-BE49-F238E27FC236}">
+                  <a16:creationId xmlns:a16="http://schemas.microsoft.com/office/drawing/2014/main" id="{69CFD19D-A122-4CB2-866A-479CA3A52FE3}"/>
+                </a:ext>
+                <a:ext uri="{C183D7F6-B498-43B3-948B-1728B52AA6E4}">
+                  <adec:decorative xmlns:adec="http://schemas.microsoft.com/office/drawing/2017/decorative" val="1"/>
+                </a:ext>
+              </a:extLst>
+            </p:cNvPr>
+            <p:cNvSpPr/>
+            <p:nvPr>
+              <p:extLst>
+                <p:ext uri="{386F3935-93C4-4BCD-93E2-E3B085C9AB24}">
+                  <p16:designElem xmlns:p16="http://schemas.microsoft.com/office/powerpoint/2015/main" val="1"/>
+                </p:ext>
+              </p:extLst>
+            </p:nvPr>
+          </p:nvSpPr>
+          <p:spPr bwMode="auto">
+            <a:xfrm>
+              <a:off x="7439026" y="5053013"/>
+              <a:ext cx="357188" cy="820738"/>
+            </a:xfrm>
+            <a:custGeom>
+              <a:avLst/>
+              <a:gdLst/>
+              <a:ahLst/>
+              <a:cxnLst/>
+              <a:rect l="0" t="0" r="r" b="b"/>
+              <a:pathLst>
+                <a:path w="90" h="207">
+                  <a:moveTo>
+                    <a:pt x="6" y="15"/>
+                  </a:moveTo>
+                  <a:cubicBezTo>
+                    <a:pt x="4" y="10"/>
+                    <a:pt x="2" y="5"/>
+                    <a:pt x="0" y="0"/>
+                  </a:cubicBezTo>
+                  <a:cubicBezTo>
+                    <a:pt x="0" y="9"/>
+                    <a:pt x="0" y="19"/>
+                    <a:pt x="1" y="29"/>
+                  </a:cubicBezTo>
+                  <a:cubicBezTo>
+                    <a:pt x="14" y="62"/>
+                    <a:pt x="27" y="95"/>
+                    <a:pt x="42" y="127"/>
+                  </a:cubicBezTo>
+                  <a:cubicBezTo>
+                    <a:pt x="54" y="154"/>
+                    <a:pt x="67" y="181"/>
+                    <a:pt x="80" y="207"/>
+                  </a:cubicBezTo>
+                  <a:cubicBezTo>
+                    <a:pt x="90" y="207"/>
+                    <a:pt x="90" y="207"/>
+                    <a:pt x="90" y="207"/>
+                  </a:cubicBezTo>
+                  <a:cubicBezTo>
+                    <a:pt x="76" y="180"/>
+                    <a:pt x="63" y="152"/>
+                    <a:pt x="50" y="123"/>
+                  </a:cubicBezTo>
+                  <a:cubicBezTo>
+                    <a:pt x="34" y="88"/>
+                    <a:pt x="20" y="51"/>
+                    <a:pt x="6" y="15"/>
+                  </a:cubicBezTo>
+                  <a:close/>
+                </a:path>
+              </a:pathLst>
+            </a:custGeom>
+            <a:solidFill>
+              <a:schemeClr val="tx2"/>
+            </a:solidFill>
+            <a:ln>
+              <a:noFill/>
+            </a:ln>
+          </p:spPr>
+        </p:sp>
+        <p:sp>
+          <p:nvSpPr>
+            <p:cNvPr id="29" name="Freeform 30">
+              <a:extLst>
+                <a:ext uri="{FF2B5EF4-FFF2-40B4-BE49-F238E27FC236}">
+                  <a16:creationId xmlns:a16="http://schemas.microsoft.com/office/drawing/2014/main" id="{C9F6C159-EFEF-4092-B1F1-7AB7F5A44F8C}"/>
+                </a:ext>
+                <a:ext uri="{C183D7F6-B498-43B3-948B-1728B52AA6E4}">
+                  <adec:decorative xmlns:adec="http://schemas.microsoft.com/office/drawing/2017/decorative" val="1"/>
+                </a:ext>
+              </a:extLst>
+            </p:cNvPr>
+            <p:cNvSpPr/>
+            <p:nvPr>
+              <p:extLst>
+                <p:ext uri="{386F3935-93C4-4BCD-93E2-E3B085C9AB24}">
+                  <p16:designElem xmlns:p16="http://schemas.microsoft.com/office/powerpoint/2015/main" val="1"/>
+                </p:ext>
+              </p:extLst>
+            </p:nvPr>
+          </p:nvSpPr>
+          <p:spPr bwMode="auto">
+            <a:xfrm>
+              <a:off x="7037388" y="3811588"/>
+              <a:ext cx="457200" cy="1852613"/>
+            </a:xfrm>
+            <a:custGeom>
+              <a:avLst/>
+              <a:gdLst/>
+              <a:ahLst/>
+              <a:cxnLst/>
+              <a:rect l="0" t="0" r="r" b="b"/>
+              <a:pathLst>
+                <a:path w="115" h="467">
+                  <a:moveTo>
+                    <a:pt x="101" y="409"/>
+                  </a:moveTo>
+                  <a:cubicBezTo>
+                    <a:pt x="93" y="388"/>
+                    <a:pt x="85" y="366"/>
+                    <a:pt x="78" y="344"/>
+                  </a:cubicBezTo>
+                  <a:cubicBezTo>
+                    <a:pt x="57" y="281"/>
+                    <a:pt x="41" y="216"/>
+                    <a:pt x="29" y="151"/>
+                  </a:cubicBezTo>
+                  <a:cubicBezTo>
+                    <a:pt x="22" y="119"/>
+                    <a:pt x="17" y="86"/>
+                    <a:pt x="13" y="53"/>
+                  </a:cubicBezTo>
+                  <a:cubicBezTo>
+                    <a:pt x="9" y="35"/>
+                    <a:pt x="4" y="18"/>
+                    <a:pt x="0" y="0"/>
+                  </a:cubicBezTo>
+                  <a:cubicBezTo>
+                    <a:pt x="5" y="51"/>
+                    <a:pt x="12" y="102"/>
+                    <a:pt x="21" y="152"/>
+                  </a:cubicBezTo>
+                  <a:cubicBezTo>
+                    <a:pt x="33" y="218"/>
+                    <a:pt x="49" y="283"/>
+                    <a:pt x="69" y="347"/>
+                  </a:cubicBezTo>
+                  <a:cubicBezTo>
+                    <a:pt x="79" y="378"/>
+                    <a:pt x="90" y="410"/>
+                    <a:pt x="103" y="441"/>
+                  </a:cubicBezTo>
+                  <a:cubicBezTo>
+                    <a:pt x="107" y="449"/>
+                    <a:pt x="111" y="458"/>
+                    <a:pt x="115" y="467"/>
+                  </a:cubicBezTo>
+                  <a:cubicBezTo>
+                    <a:pt x="114" y="464"/>
+                    <a:pt x="113" y="461"/>
+                    <a:pt x="112" y="458"/>
+                  </a:cubicBezTo>
+                  <a:cubicBezTo>
+                    <a:pt x="108" y="442"/>
+                    <a:pt x="104" y="425"/>
+                    <a:pt x="101" y="409"/>
+                  </a:cubicBezTo>
+                  <a:close/>
+                </a:path>
+              </a:pathLst>
+            </a:custGeom>
+            <a:solidFill>
+              <a:schemeClr val="tx2"/>
+            </a:solidFill>
+            <a:ln>
+              <a:noFill/>
+            </a:ln>
+          </p:spPr>
+        </p:sp>
+        <p:sp>
+          <p:nvSpPr>
+            <p:cNvPr id="30" name="Freeform 31">
+              <a:extLst>
+                <a:ext uri="{FF2B5EF4-FFF2-40B4-BE49-F238E27FC236}">
+                  <a16:creationId xmlns:a16="http://schemas.microsoft.com/office/drawing/2014/main" id="{3A1E13BE-E59A-46EA-8C13-190FCBC3B6C0}"/>
+                </a:ext>
+                <a:ext uri="{C183D7F6-B498-43B3-948B-1728B52AA6E4}">
+                  <adec:decorative xmlns:adec="http://schemas.microsoft.com/office/drawing/2017/decorative" val="1"/>
+                </a:ext>
+              </a:extLst>
+            </p:cNvPr>
+            <p:cNvSpPr/>
+            <p:nvPr>
+              <p:extLst>
+                <p:ext uri="{386F3935-93C4-4BCD-93E2-E3B085C9AB24}">
+                  <p16:designElem xmlns:p16="http://schemas.microsoft.com/office/powerpoint/2015/main" val="1"/>
+                </p:ext>
+              </p:extLst>
+            </p:nvPr>
+          </p:nvSpPr>
+          <p:spPr bwMode="auto">
+            <a:xfrm>
+              <a:off x="6992938" y="1263650"/>
+              <a:ext cx="144463" cy="2508250"/>
+            </a:xfrm>
+            <a:custGeom>
+              <a:avLst/>
+              <a:gdLst/>
+              <a:ahLst/>
+              <a:cxnLst/>
+              <a:rect l="0" t="0" r="r" b="b"/>
+              <a:pathLst>
+                <a:path w="36" h="633">
+                  <a:moveTo>
+                    <a:pt x="17" y="633"/>
+                  </a:moveTo>
+                  <a:cubicBezTo>
+                    <a:pt x="15" y="621"/>
+                    <a:pt x="14" y="609"/>
+                    <a:pt x="13" y="597"/>
+                  </a:cubicBezTo>
+                  <a:cubicBezTo>
+                    <a:pt x="8" y="530"/>
+                    <a:pt x="5" y="464"/>
+                    <a:pt x="5" y="398"/>
+                  </a:cubicBezTo>
+                  <a:cubicBezTo>
+                    <a:pt x="5" y="331"/>
+                    <a:pt x="8" y="265"/>
+                    <a:pt x="13" y="198"/>
+                  </a:cubicBezTo>
+                  <a:cubicBezTo>
+                    <a:pt x="15" y="165"/>
+                    <a:pt x="18" y="132"/>
+                    <a:pt x="22" y="99"/>
+                  </a:cubicBezTo>
+                  <a:cubicBezTo>
+                    <a:pt x="26" y="66"/>
+                    <a:pt x="30" y="33"/>
+                    <a:pt x="36" y="0"/>
+                  </a:cubicBezTo>
+                  <a:cubicBezTo>
+                    <a:pt x="35" y="0"/>
+                    <a:pt x="35" y="0"/>
+                    <a:pt x="35" y="0"/>
+                  </a:cubicBezTo>
+                  <a:cubicBezTo>
+                    <a:pt x="29" y="33"/>
+                    <a:pt x="24" y="66"/>
+                    <a:pt x="20" y="99"/>
+                  </a:cubicBezTo>
+                  <a:cubicBezTo>
+                    <a:pt x="16" y="132"/>
+                    <a:pt x="13" y="165"/>
+                    <a:pt x="10" y="198"/>
+                  </a:cubicBezTo>
+                  <a:cubicBezTo>
+                    <a:pt x="4" y="264"/>
+                    <a:pt x="1" y="331"/>
+                    <a:pt x="1" y="398"/>
+                  </a:cubicBezTo>
+                  <a:cubicBezTo>
+                    <a:pt x="0" y="461"/>
+                    <a:pt x="2" y="525"/>
+                    <a:pt x="7" y="589"/>
+                  </a:cubicBezTo>
+                  <a:cubicBezTo>
+                    <a:pt x="10" y="603"/>
+                    <a:pt x="13" y="618"/>
+                    <a:pt x="16" y="632"/>
+                  </a:cubicBezTo>
+                  <a:cubicBezTo>
+                    <a:pt x="16" y="632"/>
+                    <a:pt x="17" y="633"/>
+                    <a:pt x="17" y="633"/>
+                  </a:cubicBezTo>
+                  <a:close/>
+                </a:path>
+              </a:pathLst>
+            </a:custGeom>
+            <a:solidFill>
+              <a:schemeClr val="tx2"/>
+            </a:solidFill>
+            <a:ln>
+              <a:noFill/>
+            </a:ln>
+          </p:spPr>
+        </p:sp>
+        <p:sp>
+          <p:nvSpPr>
+            <p:cNvPr id="31" name="Freeform 32">
+              <a:extLst>
+                <a:ext uri="{FF2B5EF4-FFF2-40B4-BE49-F238E27FC236}">
+                  <a16:creationId xmlns:a16="http://schemas.microsoft.com/office/drawing/2014/main" id="{4872D65B-9C5F-405F-BCCD-D61CB856566A}"/>
+                </a:ext>
+                <a:ext uri="{C183D7F6-B498-43B3-948B-1728B52AA6E4}">
+                  <adec:decorative xmlns:adec="http://schemas.microsoft.com/office/drawing/2017/decorative" val="1"/>
+                </a:ext>
+              </a:extLst>
+            </p:cNvPr>
+            <p:cNvSpPr/>
+            <p:nvPr>
+              <p:extLst>
+                <p:ext uri="{386F3935-93C4-4BCD-93E2-E3B085C9AB24}">
+                  <p16:designElem xmlns:p16="http://schemas.microsoft.com/office/powerpoint/2015/main" val="1"/>
+                </p:ext>
+              </p:extLst>
+            </p:nvPr>
+          </p:nvSpPr>
+          <p:spPr bwMode="auto">
+            <a:xfrm>
+              <a:off x="7526338" y="5640388"/>
+              <a:ext cx="111125" cy="233363"/>
+            </a:xfrm>
+            <a:custGeom>
+              <a:avLst/>
+              <a:gdLst/>
+              <a:ahLst/>
+              <a:cxnLst/>
+              <a:rect l="0" t="0" r="r" b="b"/>
+              <a:pathLst>
+                <a:path w="28" h="59">
+                  <a:moveTo>
+                    <a:pt x="22" y="59"/>
+                  </a:moveTo>
+                  <a:cubicBezTo>
+                    <a:pt x="28" y="59"/>
+                    <a:pt x="28" y="59"/>
+                    <a:pt x="28" y="59"/>
+                  </a:cubicBezTo>
+                  <a:cubicBezTo>
+                    <a:pt x="18" y="40"/>
+                    <a:pt x="9" y="20"/>
+                    <a:pt x="0" y="0"/>
+                  </a:cubicBezTo>
+                  <a:cubicBezTo>
+                    <a:pt x="6" y="20"/>
+                    <a:pt x="13" y="40"/>
+                    <a:pt x="22" y="59"/>
+                  </a:cubicBezTo>
+                  <a:close/>
+                </a:path>
+              </a:pathLst>
+            </a:custGeom>
+            <a:solidFill>
+              <a:schemeClr val="tx2"/>
+            </a:solidFill>
+            <a:ln>
+              <a:noFill/>
+            </a:ln>
+          </p:spPr>
+        </p:sp>
+        <p:sp>
+          <p:nvSpPr>
+            <p:cNvPr id="32" name="Freeform 33">
+              <a:extLst>
+                <a:ext uri="{FF2B5EF4-FFF2-40B4-BE49-F238E27FC236}">
+                  <a16:creationId xmlns:a16="http://schemas.microsoft.com/office/drawing/2014/main" id="{F6590D24-F49D-498F-A9A5-9CF6B0951792}"/>
+                </a:ext>
+                <a:ext uri="{C183D7F6-B498-43B3-948B-1728B52AA6E4}">
+                  <adec:decorative xmlns:adec="http://schemas.microsoft.com/office/drawing/2017/decorative" val="1"/>
+                </a:ext>
+              </a:extLst>
+            </p:cNvPr>
+            <p:cNvSpPr/>
+            <p:nvPr>
+              <p:extLst>
+                <p:ext uri="{386F3935-93C4-4BCD-93E2-E3B085C9AB24}">
+                  <p16:designElem xmlns:p16="http://schemas.microsoft.com/office/powerpoint/2015/main" val="1"/>
+                </p:ext>
+              </p:extLst>
+            </p:nvPr>
+          </p:nvSpPr>
+          <p:spPr bwMode="auto">
+            <a:xfrm>
+              <a:off x="7021513" y="3598863"/>
+              <a:ext cx="68263" cy="423863"/>
+            </a:xfrm>
+            <a:custGeom>
+              <a:avLst/>
+              <a:gdLst/>
+              <a:ahLst/>
+              <a:cxnLst/>
+              <a:rect l="0" t="0" r="r" b="b"/>
+              <a:pathLst>
+                <a:path w="17" h="107">
+                  <a:moveTo>
+                    <a:pt x="4" y="54"/>
+                  </a:moveTo>
+                  <a:cubicBezTo>
+                    <a:pt x="8" y="72"/>
+                    <a:pt x="13" y="89"/>
+                    <a:pt x="17" y="107"/>
+                  </a:cubicBezTo>
+                  <a:cubicBezTo>
+                    <a:pt x="14" y="86"/>
+                    <a:pt x="12" y="65"/>
+                    <a:pt x="10" y="44"/>
+                  </a:cubicBezTo>
+                  <a:cubicBezTo>
+                    <a:pt x="10" y="44"/>
+                    <a:pt x="9" y="43"/>
+                    <a:pt x="9" y="43"/>
+                  </a:cubicBezTo>
+                  <a:cubicBezTo>
+                    <a:pt x="6" y="29"/>
+                    <a:pt x="3" y="14"/>
+                    <a:pt x="0" y="0"/>
+                  </a:cubicBezTo>
+                  <a:cubicBezTo>
+                    <a:pt x="0" y="2"/>
+                    <a:pt x="0" y="5"/>
+                    <a:pt x="0" y="8"/>
+                  </a:cubicBezTo>
+                  <a:cubicBezTo>
+                    <a:pt x="1" y="23"/>
+                    <a:pt x="3" y="39"/>
+                    <a:pt x="4" y="54"/>
+                  </a:cubicBezTo>
+                  <a:close/>
+                </a:path>
+              </a:pathLst>
+            </a:custGeom>
+            <a:solidFill>
+              <a:schemeClr val="tx2"/>
+            </a:solidFill>
+            <a:ln>
+              <a:noFill/>
+            </a:ln>
+          </p:spPr>
+        </p:sp>
+        <p:sp>
+          <p:nvSpPr>
+            <p:cNvPr id="33" name="Freeform 34">
+              <a:extLst>
+                <a:ext uri="{FF2B5EF4-FFF2-40B4-BE49-F238E27FC236}">
+                  <a16:creationId xmlns:a16="http://schemas.microsoft.com/office/drawing/2014/main" id="{F7AFD90D-3869-4EB4-A43D-A59A0583F6D5}"/>
+                </a:ext>
+                <a:ext uri="{C183D7F6-B498-43B3-948B-1728B52AA6E4}">
+                  <adec:decorative xmlns:adec="http://schemas.microsoft.com/office/drawing/2017/decorative" val="1"/>
+                </a:ext>
+              </a:extLst>
+            </p:cNvPr>
+            <p:cNvSpPr/>
+            <p:nvPr>
+              <p:extLst>
+                <p:ext uri="{386F3935-93C4-4BCD-93E2-E3B085C9AB24}">
+                  <p16:designElem xmlns:p16="http://schemas.microsoft.com/office/powerpoint/2015/main" val="1"/>
+                </p:ext>
+              </p:extLst>
+            </p:nvPr>
+          </p:nvSpPr>
+          <p:spPr bwMode="auto">
+            <a:xfrm>
+              <a:off x="7412038" y="2801938"/>
+              <a:ext cx="1168400" cy="2251075"/>
+            </a:xfrm>
+            <a:custGeom>
+              <a:avLst/>
+              <a:gdLst/>
+              <a:ahLst/>
+              <a:cxnLst/>
+              <a:rect l="0" t="0" r="r" b="b"/>
+              <a:pathLst>
+                <a:path w="294" h="568">
+                  <a:moveTo>
+                    <a:pt x="8" y="553"/>
+                  </a:moveTo>
+                  <a:cubicBezTo>
+                    <a:pt x="9" y="501"/>
+                    <a:pt x="19" y="448"/>
+                    <a:pt x="35" y="397"/>
+                  </a:cubicBezTo>
+                  <a:cubicBezTo>
+                    <a:pt x="51" y="347"/>
+                    <a:pt x="73" y="298"/>
+                    <a:pt x="99" y="252"/>
+                  </a:cubicBezTo>
+                  <a:cubicBezTo>
+                    <a:pt x="124" y="205"/>
+                    <a:pt x="154" y="161"/>
+                    <a:pt x="187" y="119"/>
+                  </a:cubicBezTo>
+                  <a:cubicBezTo>
+                    <a:pt x="203" y="98"/>
+                    <a:pt x="220" y="77"/>
+                    <a:pt x="238" y="58"/>
+                  </a:cubicBezTo>
+                  <a:cubicBezTo>
+                    <a:pt x="247" y="48"/>
+                    <a:pt x="256" y="38"/>
+                    <a:pt x="265" y="28"/>
+                  </a:cubicBezTo>
+                  <a:cubicBezTo>
+                    <a:pt x="274" y="19"/>
+                    <a:pt x="284" y="9"/>
+                    <a:pt x="294" y="0"/>
+                  </a:cubicBezTo>
+                  <a:cubicBezTo>
+                    <a:pt x="293" y="0"/>
+                    <a:pt x="293" y="0"/>
+                    <a:pt x="293" y="0"/>
+                  </a:cubicBezTo>
+                  <a:cubicBezTo>
+                    <a:pt x="283" y="9"/>
+                    <a:pt x="273" y="18"/>
+                    <a:pt x="264" y="27"/>
+                  </a:cubicBezTo>
+                  <a:cubicBezTo>
+                    <a:pt x="255" y="37"/>
+                    <a:pt x="246" y="47"/>
+                    <a:pt x="237" y="56"/>
+                  </a:cubicBezTo>
+                  <a:cubicBezTo>
+                    <a:pt x="218" y="76"/>
+                    <a:pt x="201" y="96"/>
+                    <a:pt x="185" y="117"/>
+                  </a:cubicBezTo>
+                  <a:cubicBezTo>
+                    <a:pt x="151" y="159"/>
+                    <a:pt x="121" y="203"/>
+                    <a:pt x="95" y="249"/>
+                  </a:cubicBezTo>
+                  <a:cubicBezTo>
+                    <a:pt x="68" y="296"/>
+                    <a:pt x="46" y="345"/>
+                    <a:pt x="30" y="396"/>
+                  </a:cubicBezTo>
+                  <a:cubicBezTo>
+                    <a:pt x="13" y="445"/>
+                    <a:pt x="3" y="497"/>
+                    <a:pt x="0" y="549"/>
+                  </a:cubicBezTo>
+                  <a:cubicBezTo>
+                    <a:pt x="3" y="555"/>
+                    <a:pt x="5" y="561"/>
+                    <a:pt x="7" y="568"/>
+                  </a:cubicBezTo>
+                  <a:cubicBezTo>
+                    <a:pt x="7" y="563"/>
+                    <a:pt x="7" y="558"/>
+                    <a:pt x="8" y="553"/>
+                  </a:cubicBezTo>
+                  <a:close/>
+                </a:path>
+              </a:pathLst>
+            </a:custGeom>
+            <a:solidFill>
+              <a:schemeClr val="tx2"/>
+            </a:solidFill>
+            <a:ln>
+              <a:noFill/>
+            </a:ln>
+          </p:spPr>
+        </p:sp>
+        <p:sp>
+          <p:nvSpPr>
+            <p:cNvPr id="34" name="Freeform 35">
+              <a:extLst>
+                <a:ext uri="{FF2B5EF4-FFF2-40B4-BE49-F238E27FC236}">
+                  <a16:creationId xmlns:a16="http://schemas.microsoft.com/office/drawing/2014/main" id="{226A884C-1C5B-4789-8BED-CA2815F2BEBE}"/>
+                </a:ext>
+                <a:ext uri="{C183D7F6-B498-43B3-948B-1728B52AA6E4}">
+                  <adec:decorative xmlns:adec="http://schemas.microsoft.com/office/drawing/2017/decorative" val="1"/>
+                </a:ext>
+              </a:extLst>
+            </p:cNvPr>
+            <p:cNvSpPr/>
+            <p:nvPr>
+              <p:extLst>
+                <p:ext uri="{386F3935-93C4-4BCD-93E2-E3B085C9AB24}">
+                  <p16:designElem xmlns:p16="http://schemas.microsoft.com/office/powerpoint/2015/main" val="1"/>
+                </p:ext>
+              </p:extLst>
+            </p:nvPr>
+          </p:nvSpPr>
+          <p:spPr bwMode="auto">
+            <a:xfrm>
+              <a:off x="7494588" y="5664200"/>
+              <a:ext cx="100013" cy="209550"/>
+            </a:xfrm>
+            <a:custGeom>
+              <a:avLst/>
+              <a:gdLst/>
+              <a:ahLst/>
+              <a:cxnLst/>
+              <a:rect l="0" t="0" r="r" b="b"/>
+              <a:pathLst>
+                <a:path w="25" h="53">
+                  <a:moveTo>
+                    <a:pt x="0" y="0"/>
+                  </a:moveTo>
+                  <a:cubicBezTo>
+                    <a:pt x="5" y="18"/>
+                    <a:pt x="12" y="36"/>
+                    <a:pt x="19" y="53"/>
+                  </a:cubicBezTo>
+                  <a:cubicBezTo>
+                    <a:pt x="25" y="53"/>
+                    <a:pt x="25" y="53"/>
+                    <a:pt x="25" y="53"/>
+                  </a:cubicBezTo>
+                  <a:cubicBezTo>
+                    <a:pt x="16" y="36"/>
+                    <a:pt x="8" y="18"/>
+                    <a:pt x="0" y="0"/>
+                  </a:cubicBezTo>
+                  <a:close/>
+                </a:path>
+              </a:pathLst>
+            </a:custGeom>
+            <a:solidFill>
+              <a:schemeClr val="tx2"/>
+            </a:solidFill>
+            <a:ln>
+              <a:noFill/>
+            </a:ln>
+          </p:spPr>
+        </p:sp>
+        <p:sp>
+          <p:nvSpPr>
+            <p:cNvPr id="35" name="Freeform 36">
+              <a:extLst>
+                <a:ext uri="{FF2B5EF4-FFF2-40B4-BE49-F238E27FC236}">
+                  <a16:creationId xmlns:a16="http://schemas.microsoft.com/office/drawing/2014/main" id="{54FC0D3F-819F-41B1-BFC2-FA3443FB4667}"/>
+                </a:ext>
+                <a:ext uri="{C183D7F6-B498-43B3-948B-1728B52AA6E4}">
+                  <adec:decorative xmlns:adec="http://schemas.microsoft.com/office/drawing/2017/decorative" val="1"/>
+                </a:ext>
+              </a:extLst>
+            </p:cNvPr>
+            <p:cNvSpPr/>
+            <p:nvPr>
+              <p:extLst>
+                <p:ext uri="{386F3935-93C4-4BCD-93E2-E3B085C9AB24}">
+                  <p16:designElem xmlns:p16="http://schemas.microsoft.com/office/powerpoint/2015/main" val="1"/>
+                </p:ext>
+              </p:extLst>
+            </p:nvPr>
+          </p:nvSpPr>
+          <p:spPr bwMode="auto">
+            <a:xfrm>
+              <a:off x="7412038" y="5081588"/>
+              <a:ext cx="114300" cy="558800"/>
+            </a:xfrm>
+            <a:custGeom>
+              <a:avLst/>
+              <a:gdLst/>
+              <a:ahLst/>
+              <a:cxnLst/>
+              <a:rect l="0" t="0" r="r" b="b"/>
+              <a:pathLst>
+                <a:path w="29" h="141">
+                  <a:moveTo>
+                    <a:pt x="0" y="0"/>
+                  </a:moveTo>
+                  <a:cubicBezTo>
+                    <a:pt x="0" y="30"/>
+                    <a:pt x="2" y="60"/>
+                    <a:pt x="7" y="89"/>
+                  </a:cubicBezTo>
+                  <a:cubicBezTo>
+                    <a:pt x="11" y="98"/>
+                    <a:pt x="14" y="108"/>
+                    <a:pt x="18" y="117"/>
+                  </a:cubicBezTo>
+                  <a:cubicBezTo>
+                    <a:pt x="22" y="125"/>
+                    <a:pt x="25" y="133"/>
+                    <a:pt x="29" y="141"/>
+                  </a:cubicBezTo>
+                  <a:cubicBezTo>
+                    <a:pt x="28" y="139"/>
+                    <a:pt x="28" y="137"/>
+                    <a:pt x="27" y="135"/>
+                  </a:cubicBezTo>
+                  <a:cubicBezTo>
+                    <a:pt x="16" y="98"/>
+                    <a:pt x="10" y="60"/>
+                    <a:pt x="8" y="22"/>
+                  </a:cubicBezTo>
+                  <a:cubicBezTo>
+                    <a:pt x="7" y="18"/>
+                    <a:pt x="5" y="15"/>
+                    <a:pt x="4" y="11"/>
+                  </a:cubicBezTo>
+                  <a:cubicBezTo>
+                    <a:pt x="2" y="7"/>
+                    <a:pt x="1" y="3"/>
+                    <a:pt x="0" y="0"/>
+                  </a:cubicBezTo>
+                  <a:close/>
+                </a:path>
+              </a:pathLst>
+            </a:custGeom>
+            <a:solidFill>
+              <a:schemeClr val="tx2"/>
+            </a:solidFill>
+            <a:ln>
+              <a:noFill/>
+            </a:ln>
+          </p:spPr>
+        </p:sp>
+        <p:sp>
+          <p:nvSpPr>
+            <p:cNvPr id="36" name="Freeform 37">
+              <a:extLst>
+                <a:ext uri="{FF2B5EF4-FFF2-40B4-BE49-F238E27FC236}">
+                  <a16:creationId xmlns:a16="http://schemas.microsoft.com/office/drawing/2014/main" id="{839E654C-F067-4053-881C-7D53C2E60BE7}"/>
+                </a:ext>
+                <a:ext uri="{C183D7F6-B498-43B3-948B-1728B52AA6E4}">
+                  <adec:decorative xmlns:adec="http://schemas.microsoft.com/office/drawing/2017/decorative" val="1"/>
+                </a:ext>
+              </a:extLst>
+            </p:cNvPr>
+            <p:cNvSpPr/>
+            <p:nvPr>
+              <p:extLst>
+                <p:ext uri="{386F3935-93C4-4BCD-93E2-E3B085C9AB24}">
+                  <p16:designElem xmlns:p16="http://schemas.microsoft.com/office/powerpoint/2015/main" val="1"/>
+                </p:ext>
+              </p:extLst>
+            </p:nvPr>
+          </p:nvSpPr>
+          <p:spPr bwMode="auto">
+            <a:xfrm>
+              <a:off x="7412038" y="4978400"/>
+              <a:ext cx="31750" cy="188913"/>
+            </a:xfrm>
+            <a:custGeom>
+              <a:avLst/>
+              <a:gdLst/>
+              <a:ahLst/>
+              <a:cxnLst/>
+              <a:rect l="0" t="0" r="r" b="b"/>
+              <a:pathLst>
+                <a:path w="8" h="48">
+                  <a:moveTo>
+                    <a:pt x="0" y="26"/>
+                  </a:moveTo>
+                  <a:cubicBezTo>
+                    <a:pt x="1" y="29"/>
+                    <a:pt x="2" y="33"/>
+                    <a:pt x="4" y="37"/>
+                  </a:cubicBezTo>
+                  <a:cubicBezTo>
+                    <a:pt x="5" y="41"/>
+                    <a:pt x="7" y="44"/>
+                    <a:pt x="8" y="48"/>
+                  </a:cubicBezTo>
+                  <a:cubicBezTo>
+                    <a:pt x="7" y="38"/>
+                    <a:pt x="7" y="28"/>
+                    <a:pt x="7" y="19"/>
+                  </a:cubicBezTo>
+                  <a:cubicBezTo>
+                    <a:pt x="5" y="12"/>
+                    <a:pt x="3" y="6"/>
+                    <a:pt x="0" y="0"/>
+                  </a:cubicBezTo>
+                  <a:cubicBezTo>
+                    <a:pt x="0" y="1"/>
+                    <a:pt x="0" y="3"/>
+                    <a:pt x="0" y="4"/>
+                  </a:cubicBezTo>
+                  <a:cubicBezTo>
+                    <a:pt x="0" y="11"/>
+                    <a:pt x="0" y="19"/>
+                    <a:pt x="0" y="26"/>
+                  </a:cubicBezTo>
+                  <a:close/>
+                </a:path>
+              </a:pathLst>
+            </a:custGeom>
+            <a:solidFill>
+              <a:schemeClr val="tx2"/>
+            </a:solidFill>
+            <a:ln>
+              <a:noFill/>
+            </a:ln>
+          </p:spPr>
+        </p:sp>
+        <p:sp>
+          <p:nvSpPr>
+            <p:cNvPr id="37" name="Freeform 38">
+              <a:extLst>
+                <a:ext uri="{FF2B5EF4-FFF2-40B4-BE49-F238E27FC236}">
+                  <a16:creationId xmlns:a16="http://schemas.microsoft.com/office/drawing/2014/main" id="{F44A0F15-BA31-4A9E-A48B-2F1D0E2CE5A8}"/>
+                </a:ext>
+                <a:ext uri="{C183D7F6-B498-43B3-948B-1728B52AA6E4}">
+                  <adec:decorative xmlns:adec="http://schemas.microsoft.com/office/drawing/2017/decorative" val="1"/>
+                </a:ext>
+              </a:extLst>
+            </p:cNvPr>
+            <p:cNvSpPr/>
+            <p:nvPr>
+              <p:extLst>
+                <p:ext uri="{386F3935-93C4-4BCD-93E2-E3B085C9AB24}">
+                  <p16:designElem xmlns:p16="http://schemas.microsoft.com/office/powerpoint/2015/main" val="1"/>
+                </p:ext>
+              </p:extLst>
+            </p:nvPr>
+          </p:nvSpPr>
+          <p:spPr bwMode="auto">
+            <a:xfrm>
+              <a:off x="7439026" y="5434013"/>
+              <a:ext cx="174625" cy="439738"/>
+            </a:xfrm>
+            <a:custGeom>
+              <a:avLst/>
+              <a:gdLst/>
+              <a:ahLst/>
+              <a:cxnLst/>
+              <a:rect l="0" t="0" r="r" b="b"/>
+              <a:pathLst>
+                <a:path w="44" h="111">
+                  <a:moveTo>
+                    <a:pt x="11" y="28"/>
+                  </a:moveTo>
+                  <a:cubicBezTo>
+                    <a:pt x="7" y="19"/>
+                    <a:pt x="4" y="9"/>
+                    <a:pt x="0" y="0"/>
+                  </a:cubicBezTo>
+                  <a:cubicBezTo>
+                    <a:pt x="3" y="16"/>
+                    <a:pt x="7" y="33"/>
+                    <a:pt x="11" y="49"/>
+                  </a:cubicBezTo>
+                  <a:cubicBezTo>
+                    <a:pt x="12" y="52"/>
+                    <a:pt x="13" y="55"/>
+                    <a:pt x="14" y="58"/>
+                  </a:cubicBezTo>
+                  <a:cubicBezTo>
+                    <a:pt x="22" y="76"/>
+                    <a:pt x="30" y="94"/>
+                    <a:pt x="39" y="111"/>
+                  </a:cubicBezTo>
+                  <a:cubicBezTo>
+                    <a:pt x="44" y="111"/>
+                    <a:pt x="44" y="111"/>
+                    <a:pt x="44" y="111"/>
+                  </a:cubicBezTo>
+                  <a:cubicBezTo>
+                    <a:pt x="35" y="92"/>
+                    <a:pt x="28" y="72"/>
+                    <a:pt x="22" y="52"/>
+                  </a:cubicBezTo>
+                  <a:cubicBezTo>
+                    <a:pt x="18" y="44"/>
+                    <a:pt x="15" y="36"/>
+                    <a:pt x="11" y="28"/>
+                  </a:cubicBezTo>
+                  <a:close/>
+                </a:path>
+              </a:pathLst>
+            </a:custGeom>
+            <a:solidFill>
+              <a:schemeClr val="tx2"/>
+            </a:solidFill>
+            <a:ln>
+              <a:noFill/>
+            </a:ln>
+          </p:spPr>
+        </p:sp>
+      </p:grpSp>
+      <p:sp>
+        <p:nvSpPr>
+          <p:cNvPr id="48" name="Rectangle 38">
+            <a:extLst>
+              <a:ext uri="{FF2B5EF4-FFF2-40B4-BE49-F238E27FC236}">
+                <a16:creationId xmlns:a16="http://schemas.microsoft.com/office/drawing/2014/main" id="{62631CC7-E8DA-4782-ADDD-F97B25E404A1}"/>
+              </a:ext>
+              <a:ext uri="{C183D7F6-B498-43B3-948B-1728B52AA6E4}">
+                <adec:decorative xmlns:adec="http://schemas.microsoft.com/office/drawing/2017/decorative" val="1"/>
+              </a:ext>
+            </a:extLst>
+          </p:cNvPr>
+          <p:cNvSpPr>
+            <a:spLocks noGrp="1" noRot="1" noChangeAspect="1" noMove="1" noResize="1" noEditPoints="1" noAdjustHandles="1" noChangeArrowheads="1" noChangeShapeType="1" noTextEdit="1"/>
+          </p:cNvSpPr>
+          <p:nvPr>
+            <p:extLst>
+              <p:ext uri="{386F3935-93C4-4BCD-93E2-E3B085C9AB24}">
+                <p16:designElem xmlns:p16="http://schemas.microsoft.com/office/powerpoint/2015/main" val="1"/>
+              </p:ext>
+            </p:extLst>
+          </p:nvPr>
+        </p:nvSpPr>
+        <p:spPr>
+          <a:xfrm>
+            <a:off x="0" y="0"/>
+            <a:ext cx="182880" cy="6858000"/>
+          </a:xfrm>
+          <a:prstGeom prst="rect">
+            <a:avLst/>
+          </a:prstGeom>
+          <a:solidFill>
+            <a:schemeClr val="tx2"/>
+          </a:solidFill>
+          <a:ln>
+            <a:noFill/>
+          </a:ln>
+          <a:effectLst/>
+        </p:spPr>
+        <p:style>
+          <a:lnRef idx="1">
+            <a:schemeClr val="accent1"/>
+          </a:lnRef>
+          <a:fillRef idx="3">
+            <a:schemeClr val="accent1"/>
+          </a:fillRef>
+          <a:effectRef idx="2">
+            <a:schemeClr val="accent1"/>
+          </a:effectRef>
+          <a:fontRef idx="minor">
+            <a:schemeClr val="lt1"/>
+          </a:fontRef>
+        </p:style>
+      </p:sp>
+      <p:sp>
+        <p:nvSpPr>
+          <p:cNvPr id="49" name="Freeform 11">
+            <a:extLst>
+              <a:ext uri="{FF2B5EF4-FFF2-40B4-BE49-F238E27FC236}">
+                <a16:creationId xmlns:a16="http://schemas.microsoft.com/office/drawing/2014/main" id="{5D16879A-58B6-4F6B-8688-42B28FE10DF5}"/>
+              </a:ext>
+              <a:ext uri="{C183D7F6-B498-43B3-948B-1728B52AA6E4}">
+                <adec:decorative xmlns:adec="http://schemas.microsoft.com/office/drawing/2017/decorative" val="1"/>
+              </a:ext>
+            </a:extLst>
+          </p:cNvPr>
+          <p:cNvSpPr>
+            <a:spLocks noGrp="1" noRot="1" noChangeAspect="1" noMove="1" noResize="1" noEditPoints="1" noAdjustHandles="1" noChangeArrowheads="1" noChangeShapeType="1" noTextEdit="1"/>
+          </p:cNvSpPr>
+          <p:nvPr>
+            <p:extLst>
+              <p:ext uri="{386F3935-93C4-4BCD-93E2-E3B085C9AB24}">
+                <p16:designElem xmlns:p16="http://schemas.microsoft.com/office/powerpoint/2015/main" val="1"/>
+              </p:ext>
+            </p:extLst>
+          </p:nvPr>
+        </p:nvSpPr>
+        <p:spPr bwMode="auto">
+          <a:xfrm flipV="1">
+            <a:off x="-4189" y="714375"/>
+            <a:ext cx="1588527" cy="507297"/>
+          </a:xfrm>
+          <a:custGeom>
+            <a:avLst/>
+            <a:gdLst/>
+            <a:ahLst/>
+            <a:cxnLst/>
+            <a:rect l="l" t="t" r="r" b="b"/>
+            <a:pathLst>
+              <a:path w="9248" h="10000">
+                <a:moveTo>
+                  <a:pt x="9248" y="4701"/>
+                </a:moveTo>
+                <a:lnTo>
+                  <a:pt x="7915" y="188"/>
+                </a:lnTo>
+                <a:cubicBezTo>
+                  <a:pt x="7906" y="156"/>
+                  <a:pt x="7895" y="126"/>
+                  <a:pt x="7886" y="94"/>
+                </a:cubicBezTo>
+                <a:cubicBezTo>
+                  <a:pt x="7859" y="0"/>
+                  <a:pt x="7831" y="0"/>
+                  <a:pt x="7803" y="0"/>
+                </a:cubicBezTo>
+                <a:lnTo>
+                  <a:pt x="7275" y="0"/>
+                </a:lnTo>
+                <a:lnTo>
+                  <a:pt x="0" y="70"/>
+                </a:lnTo>
+                <a:cubicBezTo>
+                  <a:pt x="8" y="3380"/>
+                  <a:pt x="17" y="6690"/>
+                  <a:pt x="25" y="10000"/>
+                </a:cubicBezTo>
+                <a:lnTo>
+                  <a:pt x="7275" y="9966"/>
+                </a:lnTo>
+                <a:lnTo>
+                  <a:pt x="7803" y="9966"/>
+                </a:lnTo>
+                <a:cubicBezTo>
+                  <a:pt x="7831" y="9966"/>
+                  <a:pt x="7859" y="9872"/>
+                  <a:pt x="7886" y="9872"/>
+                </a:cubicBezTo>
+                <a:cubicBezTo>
+                  <a:pt x="7886" y="9778"/>
+                  <a:pt x="7915" y="9778"/>
+                  <a:pt x="7915" y="9778"/>
+                </a:cubicBezTo>
+                <a:lnTo>
+                  <a:pt x="9248" y="5265"/>
+                </a:lnTo>
+                <a:cubicBezTo>
+                  <a:pt x="9303" y="5077"/>
+                  <a:pt x="9303" y="4889"/>
+                  <a:pt x="9248" y="4701"/>
+                </a:cubicBezTo>
+                <a:close/>
+              </a:path>
+            </a:pathLst>
+          </a:custGeom>
+          <a:solidFill>
+            <a:schemeClr val="accent1"/>
+          </a:solidFill>
+          <a:ln>
+            <a:noFill/>
+          </a:ln>
+        </p:spPr>
+      </p:sp>
+      <p:sp>
+        <p:nvSpPr>
+          <p:cNvPr id="50" name="Rectangle 42">
+            <a:extLst>
+              <a:ext uri="{FF2B5EF4-FFF2-40B4-BE49-F238E27FC236}">
+                <a16:creationId xmlns:a16="http://schemas.microsoft.com/office/drawing/2014/main" id="{4C65EF45-751F-4B16-8EF6-0D1382C9DA5F}"/>
+              </a:ext>
+              <a:ext uri="{C183D7F6-B498-43B3-948B-1728B52AA6E4}">
+                <adec:decorative xmlns:adec="http://schemas.microsoft.com/office/drawing/2017/decorative" val="1"/>
+              </a:ext>
+            </a:extLst>
+          </p:cNvPr>
+          <p:cNvSpPr>
+            <a:spLocks noGrp="1" noRot="1" noChangeAspect="1" noMove="1" noResize="1" noEditPoints="1" noAdjustHandles="1" noChangeArrowheads="1" noChangeShapeType="1" noTextEdit="1"/>
+          </p:cNvSpPr>
+          <p:nvPr>
+            <p:extLst>
+              <p:ext uri="{386F3935-93C4-4BCD-93E2-E3B085C9AB24}">
+                <p16:designElem xmlns:p16="http://schemas.microsoft.com/office/powerpoint/2015/main" val="1"/>
+              </p:ext>
+            </p:extLst>
+          </p:nvPr>
+        </p:nvSpPr>
+        <p:spPr>
+          <a:xfrm>
+            <a:off x="0" y="0"/>
+            <a:ext cx="12192000" cy="6858000"/>
+          </a:xfrm>
+          <a:prstGeom prst="rect">
+            <a:avLst/>
+          </a:prstGeom>
+          <a:solidFill>
+            <a:schemeClr val="tx1">
+              <a:lumMod val="65000"/>
+              <a:lumOff val="35000"/>
+            </a:schemeClr>
+          </a:solidFill>
+          <a:ln>
+            <a:noFill/>
+          </a:ln>
+        </p:spPr>
+        <p:style>
+          <a:lnRef idx="2">
+            <a:schemeClr val="accent1">
+              <a:shade val="50000"/>
+            </a:schemeClr>
+          </a:lnRef>
+          <a:fillRef idx="1">
+            <a:schemeClr val="accent1"/>
+          </a:fillRef>
+          <a:effectRef idx="0">
+            <a:schemeClr val="accent1"/>
+          </a:effectRef>
+          <a:fontRef idx="minor">
+            <a:schemeClr val="lt1"/>
+          </a:fontRef>
+        </p:style>
+        <p:txBody>
+          <a:bodyPr rtlCol="0" anchor="ctr"/>
+          <a:lstStyle/>
+          <a:p>
+            <a:pPr algn="ctr"/>
+            <a:endParaRPr lang="en-US"/>
+          </a:p>
+        </p:txBody>
+      </p:sp>
+      <p:sp>
+        <p:nvSpPr>
+          <p:cNvPr id="45" name="Rectangle 44">
+            <a:extLst>
+              <a:ext uri="{FF2B5EF4-FFF2-40B4-BE49-F238E27FC236}">
+                <a16:creationId xmlns:a16="http://schemas.microsoft.com/office/drawing/2014/main" id="{410D52FB-FECF-4A00-8723-C495FDB745E9}"/>
+              </a:ext>
+              <a:ext uri="{C183D7F6-B498-43B3-948B-1728B52AA6E4}">
+                <adec:decorative xmlns:adec="http://schemas.microsoft.com/office/drawing/2017/decorative" val="1"/>
+              </a:ext>
+            </a:extLst>
+          </p:cNvPr>
+          <p:cNvSpPr>
+            <a:spLocks noGrp="1" noRot="1" noChangeAspect="1" noMove="1" noResize="1" noEditPoints="1" noAdjustHandles="1" noChangeArrowheads="1" noChangeShapeType="1" noTextEdit="1"/>
+          </p:cNvSpPr>
+          <p:nvPr>
+            <p:extLst>
+              <p:ext uri="{386F3935-93C4-4BCD-93E2-E3B085C9AB24}">
+                <p16:designElem xmlns:p16="http://schemas.microsoft.com/office/powerpoint/2015/main" val="1"/>
+              </p:ext>
+            </p:extLst>
+          </p:nvPr>
+        </p:nvSpPr>
+        <p:spPr>
+          <a:xfrm>
+            <a:off x="477012" y="480060"/>
+            <a:ext cx="11237976" cy="5897880"/>
+          </a:xfrm>
+          <a:prstGeom prst="rect">
+            <a:avLst/>
+          </a:prstGeom>
+          <a:solidFill>
+            <a:srgbClr val="FFFFFF"/>
+          </a:solidFill>
+          <a:ln>
+            <a:noFill/>
+          </a:ln>
+        </p:spPr>
+        <p:style>
+          <a:lnRef idx="2">
+            <a:schemeClr val="accent1">
+              <a:shade val="50000"/>
+            </a:schemeClr>
+          </a:lnRef>
+          <a:fillRef idx="1">
+            <a:schemeClr val="accent1"/>
+          </a:fillRef>
+          <a:effectRef idx="0">
+            <a:schemeClr val="accent1"/>
+          </a:effectRef>
+          <a:fontRef idx="minor">
+            <a:schemeClr val="lt1"/>
+          </a:fontRef>
+        </p:style>
+        <p:txBody>
+          <a:bodyPr rtlCol="0" anchor="ctr"/>
+          <a:lstStyle/>
+          <a:p>
+            <a:pPr algn="ctr"/>
+            <a:endParaRPr lang="en-US"/>
+          </a:p>
+        </p:txBody>
+      </p:sp>
+      <p:pic>
+        <p:nvPicPr>
+          <p:cNvPr id="4" name="Billede 3">
+            <a:extLst>
+              <a:ext uri="{FF2B5EF4-FFF2-40B4-BE49-F238E27FC236}">
+                <a16:creationId xmlns:a16="http://schemas.microsoft.com/office/drawing/2014/main" id="{0D018133-3937-4214-84A0-078C86ED20C5}"/>
+              </a:ext>
+            </a:extLst>
+          </p:cNvPr>
+          <p:cNvPicPr>
+            <a:picLocks noChangeAspect="1"/>
+          </p:cNvPicPr>
+          <p:nvPr/>
+        </p:nvPicPr>
+        <p:blipFill>
+          <a:blip r:embed="rId2"/>
+          <a:stretch>
+            <a:fillRect/>
+          </a:stretch>
+        </p:blipFill>
+        <p:spPr>
+          <a:xfrm>
+            <a:off x="6762888" y="1592124"/>
+            <a:ext cx="4653787" cy="3794117"/>
+          </a:xfrm>
+          <a:prstGeom prst="rect">
+            <a:avLst/>
+          </a:prstGeom>
+        </p:spPr>
+      </p:pic>
+      <p:pic>
+        <p:nvPicPr>
+          <p:cNvPr id="6" name="Billede 5">
+            <a:extLst>
+              <a:ext uri="{FF2B5EF4-FFF2-40B4-BE49-F238E27FC236}">
+                <a16:creationId xmlns:a16="http://schemas.microsoft.com/office/drawing/2014/main" id="{3CC2761D-2E27-476A-8AFD-9E6BE637496F}"/>
+              </a:ext>
+            </a:extLst>
+          </p:cNvPr>
+          <p:cNvPicPr>
+            <a:picLocks noChangeAspect="1"/>
+          </p:cNvPicPr>
+          <p:nvPr/>
+        </p:nvPicPr>
+        <p:blipFill>
+          <a:blip r:embed="rId3"/>
+          <a:stretch>
+            <a:fillRect/>
+          </a:stretch>
+        </p:blipFill>
+        <p:spPr>
+          <a:xfrm>
+            <a:off x="1131300" y="1592124"/>
+            <a:ext cx="4653787" cy="3606684"/>
+          </a:xfrm>
+          <a:prstGeom prst="rect">
+            <a:avLst/>
+          </a:prstGeom>
+        </p:spPr>
+      </p:pic>
+    </p:spTree>
+    <p:extLst>
+      <p:ext uri="{BB962C8B-B14F-4D97-AF65-F5344CB8AC3E}">
+        <p14:creationId xmlns:p14="http://schemas.microsoft.com/office/powerpoint/2010/main" val="974896604"/>
+      </p:ext>
+    </p:extLst>
+  </p:cSld>
+  <p:clrMapOvr>
+    <a:masterClrMapping/>
+  </p:clrMapOvr>
+</p:sld>
+</file>
+
+<file path=ppt/slides/slide13.xml><?xml version="1.0" encoding="utf-8"?>
 <p:sld xmlns:a="http://schemas.openxmlformats.org/drawingml/2006/main" xmlns:r="http://schemas.openxmlformats.org/officeDocument/2006/relationships" xmlns:p="http://schemas.openxmlformats.org/presentationml/2006/main">
   <p:cSld>
     <p:bg>
@@ -8560,7 +11206,7 @@
 </p:sld>
 </file>
 
-<file path=ppt/slides/slide13.xml><?xml version="1.0" encoding="utf-8"?>
+<file path=ppt/slides/slide14.xml><?xml version="1.0" encoding="utf-8"?>
 <p:sld xmlns:a="http://schemas.openxmlformats.org/drawingml/2006/main" xmlns:r="http://schemas.openxmlformats.org/officeDocument/2006/relationships" xmlns:p="http://schemas.openxmlformats.org/presentationml/2006/main">
   <p:cSld>
     <p:spTree>
@@ -8640,7 +11286,7 @@
 </p:sld>
 </file>
 
-<file path=ppt/slides/slide14.xml><?xml version="1.0" encoding="utf-8"?>
+<file path=ppt/slides/slide15.xml><?xml version="1.0" encoding="utf-8"?>
 <p:sld xmlns:a="http://schemas.openxmlformats.org/drawingml/2006/main" xmlns:r="http://schemas.openxmlformats.org/officeDocument/2006/relationships" xmlns:p="http://schemas.openxmlformats.org/presentationml/2006/main">
   <p:cSld>
     <p:spTree>
@@ -10250,10 +12896,15 @@
             <p:ph idx="1"/>
           </p:nvPr>
         </p:nvSpPr>
-        <p:spPr/>
+        <p:spPr>
+          <a:xfrm>
+            <a:off x="1638300" y="1540189"/>
+            <a:ext cx="9866312" cy="4812986"/>
+          </a:xfrm>
+        </p:spPr>
         <p:txBody>
           <a:bodyPr>
-            <a:normAutofit fontScale="85000" lnSpcReduction="20000"/>
+            <a:normAutofit lnSpcReduction="10000"/>
           </a:bodyPr>
           <a:lstStyle/>
           <a:p>
@@ -10271,22 +12922,31 @@
             </a:r>
           </a:p>
           <a:p>
-            <a:endParaRPr lang="da-DK" dirty="0"/>
-          </a:p>
-          <a:p>
-            <a:endParaRPr lang="da-DK" dirty="0"/>
-          </a:p>
-          <a:p>
             <a:r>
               <a:rPr lang="da-DK" dirty="0"/>
-              <a:t>Builder, Factory</a:t>
+              <a:t>Builder </a:t>
             </a:r>
           </a:p>
           <a:p>
             <a:pPr lvl="1"/>
             <a:r>
               <a:rPr lang="da-DK" dirty="0"/>
-              <a:t>Skræddersyer objekter (undgår komplicerede </a:t>
+              <a:t>Håndtere at lave komplekse objekter =&gt; </a:t>
+            </a:r>
+            <a:r>
+              <a:rPr lang="da-DK" dirty="0" err="1"/>
+              <a:t>F.eks</a:t>
+            </a:r>
+            <a:r>
+              <a:rPr lang="da-DK" dirty="0"/>
+              <a:t> et med mange components</a:t>
+            </a:r>
+          </a:p>
+          <a:p>
+            <a:pPr lvl="1"/>
+            <a:r>
+              <a:rPr lang="da-DK" dirty="0"/>
+              <a:t>(undgår komplicerede </a:t>
             </a:r>
             <a:r>
               <a:rPr lang="da-DK" dirty="0" err="1"/>
@@ -10295,6 +12955,27 @@
             <a:r>
               <a:rPr lang="da-DK" dirty="0"/>
               <a:t>)</a:t>
+            </a:r>
+          </a:p>
+          <a:p>
+            <a:r>
+              <a:rPr lang="da-DK" dirty="0"/>
+              <a:t> Factory</a:t>
+            </a:r>
+          </a:p>
+          <a:p>
+            <a:pPr lvl="1"/>
+            <a:r>
+              <a:rPr lang="da-DK" dirty="0"/>
+              <a:t>Håndtere oprettelse af underklasser =&gt; </a:t>
+            </a:r>
+            <a:r>
+              <a:rPr lang="da-DK" dirty="0" err="1"/>
+              <a:t>BilFactory</a:t>
+            </a:r>
+            <a:r>
+              <a:rPr lang="da-DK" dirty="0"/>
+              <a:t> -&gt; Volvo</a:t>
             </a:r>
           </a:p>
           <a:p>
